--- a/eece2160/sp19/lectures/eece.2160sp19_lec5_io.pptx
+++ b/eece2160/sp19/lectures/eece.2160sp19_lec5_io.pptx
@@ -193,6 +193,35 @@
 </p:presentation>
 </file>
 
+<file path=ppt/revisionInfo.xml><?xml version="1.0" encoding="utf-8"?>
+<p1510:revInfo xmlns:a="http://schemas.openxmlformats.org/drawingml/2006/main" xmlns:r="http://schemas.openxmlformats.org/officeDocument/2006/relationships" xmlns:p1510="http://schemas.microsoft.com/office/powerpoint/2015/10/main">
+  <p1510:revLst>
+    <p1510:client id="{18577BE3-7CD1-4503-8617-B7828BBFF173}" v="1" dt="2019-02-04T17:34:05.343"/>
+  </p1510:revLst>
+</p1510:revInfo>
+</file>
+
+<file path=ppt/changesInfos/changesInfo1.xml><?xml version="1.0" encoding="utf-8"?>
+<pc:chgInfo xmlns:a="http://schemas.openxmlformats.org/drawingml/2006/main" xmlns:r="http://schemas.openxmlformats.org/officeDocument/2006/relationships" xmlns:ac="http://schemas.microsoft.com/office/drawing/2013/main/command" xmlns:pc="http://schemas.microsoft.com/office/powerpoint/2013/main/command">
+  <pc:docChgLst>
+    <pc:chgData name="Geiger, Michael J" userId="13cae92b-b37c-450b-a449-82fcae19569d" providerId="ADAL" clId="{18577BE3-7CD1-4503-8617-B7828BBFF173}"/>
+    <pc:docChg chg="addSld delSld modSld">
+      <pc:chgData name="Geiger, Michael J" userId="13cae92b-b37c-450b-a449-82fcae19569d" providerId="ADAL" clId="{18577BE3-7CD1-4503-8617-B7828BBFF173}" dt="2019-02-04T17:43:33.477" v="1" actId="2696"/>
+      <pc:docMkLst>
+        <pc:docMk/>
+      </pc:docMkLst>
+      <pc:sldChg chg="add del">
+        <pc:chgData name="Geiger, Michael J" userId="13cae92b-b37c-450b-a449-82fcae19569d" providerId="ADAL" clId="{18577BE3-7CD1-4503-8617-B7828BBFF173}" dt="2019-02-04T17:43:33.477" v="1" actId="2696"/>
+        <pc:sldMkLst>
+          <pc:docMk/>
+          <pc:sldMk cId="1808479378" sldId="475"/>
+        </pc:sldMkLst>
+      </pc:sldChg>
+    </pc:docChg>
+  </pc:docChgLst>
+</pc:chgInfo>
+</file>
+
 <file path=ppt/handoutMasters/handoutMaster1.xml><?xml version="1.0" encoding="utf-8"?>
 <p:handoutMaster xmlns:a="http://schemas.openxmlformats.org/drawingml/2006/main" xmlns:r="http://schemas.openxmlformats.org/officeDocument/2006/relationships" xmlns:p="http://schemas.openxmlformats.org/presentationml/2006/main">
   <p:cSld>
@@ -582,7 +611,7 @@
           </a:ln>
           <a:extLst>
             <a:ext uri="{FAA26D3D-D897-4be2-8F04-BA451C77F1D7}">
-              <ma14:placeholderFlag xmlns:ma14="http://schemas.microsoft.com/office/mac/drawingml/2011/main" val="1"/>
+              <ma14:placeholderFlag xmlns:ma14="http://schemas.microsoft.com/office/mac/drawingml/2011/main" xmlns="" val="1"/>
             </a:ext>
             <a:ext uri="{909E8E84-426E-40dd-AFC4-6F175D3DCCD1}">
               <a14:hiddenFill xmlns="" xmlns:a14="http://schemas.microsoft.com/office/drawing/2010/main">
@@ -631,35 +660,35 @@
           <a:p>
             <a:pPr lvl="0"/>
             <a:r>
-              <a:rPr lang="en-US" noProof="0" smtClean="0"/>
+              <a:rPr lang="en-US" noProof="0"/>
               <a:t>Click to edit Master text styles</a:t>
             </a:r>
           </a:p>
           <a:p>
             <a:pPr lvl="1"/>
             <a:r>
-              <a:rPr lang="en-US" noProof="0" smtClean="0"/>
+              <a:rPr lang="en-US" noProof="0"/>
               <a:t>Second level</a:t>
             </a:r>
           </a:p>
           <a:p>
             <a:pPr lvl="2"/>
             <a:r>
-              <a:rPr lang="en-US" noProof="0" smtClean="0"/>
+              <a:rPr lang="en-US" noProof="0"/>
               <a:t>Third level</a:t>
             </a:r>
           </a:p>
           <a:p>
             <a:pPr lvl="3"/>
             <a:r>
-              <a:rPr lang="en-US" noProof="0" smtClean="0"/>
+              <a:rPr lang="en-US" noProof="0"/>
               <a:t>Fourth level</a:t>
             </a:r>
           </a:p>
           <a:p>
             <a:pPr lvl="4"/>
             <a:r>
-              <a:rPr lang="en-US" noProof="0" smtClean="0"/>
+              <a:rPr lang="en-US" noProof="0"/>
               <a:t>Fifth level</a:t>
             </a:r>
           </a:p>
@@ -1104,7 +1133,7 @@
           <a:ln/>
           <a:extLst>
             <a:ext uri="{FAA26D3D-D897-4be2-8F04-BA451C77F1D7}">
-              <ma14:placeholderFlag xmlns:ma14="http://schemas.microsoft.com/office/mac/drawingml/2011/main" val="1"/>
+              <ma14:placeholderFlag xmlns:ma14="http://schemas.microsoft.com/office/mac/drawingml/2011/main" xmlns="" val="1"/>
             </a:ext>
             <a:ext uri="{909E8E84-426E-40dd-AFC4-6F175D3DCCD1}">
               <a14:hiddenFill xmlns="" xmlns:a14="http://schemas.microsoft.com/office/drawing/2010/main">
@@ -1848,7 +1877,7 @@
               </a14:hiddenLine>
             </a:ext>
             <a:ext uri="{FAA26D3D-D897-4be2-8F04-BA451C77F1D7}">
-              <ma14:placeholderFlag xmlns:ma14="http://schemas.microsoft.com/office/mac/drawingml/2011/main" val="1"/>
+              <ma14:placeholderFlag xmlns:ma14="http://schemas.microsoft.com/office/mac/drawingml/2011/main" xmlns="" val="1"/>
             </a:ext>
           </a:extLst>
         </p:spPr>
@@ -2574,7 +2603,7 @@
               </a14:hiddenLine>
             </a:ext>
             <a:ext uri="{FAA26D3D-D897-4be2-8F04-BA451C77F1D7}">
-              <ma14:placeholderFlag xmlns:ma14="http://schemas.microsoft.com/office/mac/drawingml/2011/main" val="1"/>
+              <ma14:placeholderFlag xmlns:ma14="http://schemas.microsoft.com/office/mac/drawingml/2011/main" xmlns="" val="1"/>
             </a:ext>
           </a:extLst>
         </p:spPr>
@@ -3300,7 +3329,7 @@
               </a14:hiddenLine>
             </a:ext>
             <a:ext uri="{FAA26D3D-D897-4be2-8F04-BA451C77F1D7}">
-              <ma14:placeholderFlag xmlns:ma14="http://schemas.microsoft.com/office/mac/drawingml/2011/main" val="1"/>
+              <ma14:placeholderFlag xmlns:ma14="http://schemas.microsoft.com/office/mac/drawingml/2011/main" xmlns="" val="1"/>
             </a:ext>
           </a:extLst>
         </p:spPr>
@@ -4026,7 +4055,7 @@
               </a14:hiddenLine>
             </a:ext>
             <a:ext uri="{FAA26D3D-D897-4be2-8F04-BA451C77F1D7}">
-              <ma14:placeholderFlag xmlns:ma14="http://schemas.microsoft.com/office/mac/drawingml/2011/main" val="1"/>
+              <ma14:placeholderFlag xmlns:ma14="http://schemas.microsoft.com/office/mac/drawingml/2011/main" xmlns="" val="1"/>
             </a:ext>
           </a:extLst>
         </p:spPr>
@@ -4752,7 +4781,7 @@
               </a14:hiddenLine>
             </a:ext>
             <a:ext uri="{FAA26D3D-D897-4be2-8F04-BA451C77F1D7}">
-              <ma14:placeholderFlag xmlns:ma14="http://schemas.microsoft.com/office/mac/drawingml/2011/main" val="1"/>
+              <ma14:placeholderFlag xmlns:ma14="http://schemas.microsoft.com/office/mac/drawingml/2011/main" xmlns="" val="1"/>
             </a:ext>
           </a:extLst>
         </p:spPr>
@@ -5001,7 +5030,7 @@
           <a:p>
             <a:fld id="{D162238A-A1DF-304C-936F-97C25E3287C6}" type="datetime1">
               <a:rPr lang="en-US" smtClean="0"/>
-              <a:t>2/2/19</a:t>
+              <a:t>2/4/2019</a:t>
             </a:fld>
             <a:endParaRPr lang="en-US"/>
           </a:p>
@@ -5035,10 +5064,9 @@
               <a:defRPr/>
             </a:pPr>
             <a:r>
-              <a:rPr lang="en-US" altLang="en-US" smtClean="0"/>
+              <a:rPr lang="en-US" altLang="en-US"/>
               <a:t>ECE Application Programming: Lecture 5</a:t>
             </a:r>
-            <a:endParaRPr lang="en-US" altLang="en-US"/>
           </a:p>
         </p:txBody>
       </p:sp>
@@ -5116,10 +5144,9 @@
           <a:lstStyle/>
           <a:p>
             <a:r>
-              <a:rPr lang="en-US" smtClean="0"/>
+              <a:rPr lang="en-US"/>
               <a:t>Click to edit Master title style</a:t>
             </a:r>
-            <a:endParaRPr lang="en-US"/>
           </a:p>
         </p:txBody>
       </p:sp>
@@ -5140,38 +5167,37 @@
           <a:p>
             <a:pPr lvl="0"/>
             <a:r>
-              <a:rPr lang="en-US" smtClean="0"/>
+              <a:rPr lang="en-US"/>
               <a:t>Click to edit Master text styles</a:t>
             </a:r>
           </a:p>
           <a:p>
             <a:pPr lvl="1"/>
             <a:r>
-              <a:rPr lang="en-US" smtClean="0"/>
+              <a:rPr lang="en-US"/>
               <a:t>Second level</a:t>
             </a:r>
           </a:p>
           <a:p>
             <a:pPr lvl="2"/>
             <a:r>
-              <a:rPr lang="en-US" smtClean="0"/>
+              <a:rPr lang="en-US"/>
               <a:t>Third level</a:t>
             </a:r>
           </a:p>
           <a:p>
             <a:pPr lvl="3"/>
             <a:r>
-              <a:rPr lang="en-US" smtClean="0"/>
+              <a:rPr lang="en-US"/>
               <a:t>Fourth level</a:t>
             </a:r>
           </a:p>
           <a:p>
             <a:pPr lvl="4"/>
             <a:r>
-              <a:rPr lang="en-US" smtClean="0"/>
+              <a:rPr lang="en-US"/>
               <a:t>Fifth level</a:t>
             </a:r>
-            <a:endParaRPr lang="en-US"/>
           </a:p>
         </p:txBody>
       </p:sp>
@@ -5198,7 +5224,7 @@
           <a:p>
             <a:fld id="{D01977E4-2780-0741-B225-423E191D138F}" type="datetime1">
               <a:rPr lang="en-US" smtClean="0"/>
-              <a:t>2/2/19</a:t>
+              <a:t>2/4/2019</a:t>
             </a:fld>
             <a:endParaRPr lang="en-US"/>
           </a:p>
@@ -5229,10 +5255,9 @@
               <a:defRPr/>
             </a:pPr>
             <a:r>
-              <a:rPr lang="en-US" altLang="en-US" smtClean="0"/>
+              <a:rPr lang="en-US" altLang="en-US"/>
               <a:t>ECE Application Programming: Lecture 5</a:t>
             </a:r>
-            <a:endParaRPr lang="en-US" altLang="en-US"/>
           </a:p>
         </p:txBody>
       </p:sp>
@@ -5317,10 +5342,9 @@
           <a:lstStyle/>
           <a:p>
             <a:r>
-              <a:rPr lang="en-US" smtClean="0"/>
+              <a:rPr lang="en-US"/>
               <a:t>Click to edit Master title style</a:t>
             </a:r>
-            <a:endParaRPr lang="en-US"/>
           </a:p>
         </p:txBody>
       </p:sp>
@@ -5346,38 +5370,37 @@
           <a:p>
             <a:pPr lvl="0"/>
             <a:r>
-              <a:rPr lang="en-US" smtClean="0"/>
+              <a:rPr lang="en-US"/>
               <a:t>Click to edit Master text styles</a:t>
             </a:r>
           </a:p>
           <a:p>
             <a:pPr lvl="1"/>
             <a:r>
-              <a:rPr lang="en-US" smtClean="0"/>
+              <a:rPr lang="en-US"/>
               <a:t>Second level</a:t>
             </a:r>
           </a:p>
           <a:p>
             <a:pPr lvl="2"/>
             <a:r>
-              <a:rPr lang="en-US" smtClean="0"/>
+              <a:rPr lang="en-US"/>
               <a:t>Third level</a:t>
             </a:r>
           </a:p>
           <a:p>
             <a:pPr lvl="3"/>
             <a:r>
-              <a:rPr lang="en-US" smtClean="0"/>
+              <a:rPr lang="en-US"/>
               <a:t>Fourth level</a:t>
             </a:r>
           </a:p>
           <a:p>
             <a:pPr lvl="4"/>
             <a:r>
-              <a:rPr lang="en-US" smtClean="0"/>
+              <a:rPr lang="en-US"/>
               <a:t>Fifth level</a:t>
             </a:r>
-            <a:endParaRPr lang="en-US"/>
           </a:p>
         </p:txBody>
       </p:sp>
@@ -5404,7 +5427,7 @@
           <a:p>
             <a:fld id="{480252FD-D44E-1A4A-AEA0-30FC5343E76D}" type="datetime1">
               <a:rPr lang="en-US" smtClean="0"/>
-              <a:t>2/2/19</a:t>
+              <a:t>2/4/2019</a:t>
             </a:fld>
             <a:endParaRPr lang="en-US"/>
           </a:p>
@@ -5435,10 +5458,9 @@
               <a:defRPr/>
             </a:pPr>
             <a:r>
-              <a:rPr lang="en-US" altLang="en-US" smtClean="0"/>
+              <a:rPr lang="en-US" altLang="en-US"/>
               <a:t>ECE Application Programming: Lecture 5</a:t>
             </a:r>
-            <a:endParaRPr lang="en-US" altLang="en-US"/>
           </a:p>
         </p:txBody>
       </p:sp>
@@ -5523,10 +5545,9 @@
           <a:lstStyle/>
           <a:p>
             <a:r>
-              <a:rPr lang="en-US" smtClean="0"/>
+              <a:rPr lang="en-US"/>
               <a:t>Click to edit Master title style</a:t>
             </a:r>
-            <a:endParaRPr lang="en-US"/>
           </a:p>
         </p:txBody>
       </p:sp>
@@ -5552,38 +5573,37 @@
           <a:p>
             <a:pPr lvl="0"/>
             <a:r>
-              <a:rPr lang="en-US" smtClean="0"/>
+              <a:rPr lang="en-US"/>
               <a:t>Click to edit Master text styles</a:t>
             </a:r>
           </a:p>
           <a:p>
             <a:pPr lvl="1"/>
             <a:r>
-              <a:rPr lang="en-US" smtClean="0"/>
+              <a:rPr lang="en-US"/>
               <a:t>Second level</a:t>
             </a:r>
           </a:p>
           <a:p>
             <a:pPr lvl="2"/>
             <a:r>
-              <a:rPr lang="en-US" smtClean="0"/>
+              <a:rPr lang="en-US"/>
               <a:t>Third level</a:t>
             </a:r>
           </a:p>
           <a:p>
             <a:pPr lvl="3"/>
             <a:r>
-              <a:rPr lang="en-US" smtClean="0"/>
+              <a:rPr lang="en-US"/>
               <a:t>Fourth level</a:t>
             </a:r>
           </a:p>
           <a:p>
             <a:pPr lvl="4"/>
             <a:r>
-              <a:rPr lang="en-US" smtClean="0"/>
+              <a:rPr lang="en-US"/>
               <a:t>Fifth level</a:t>
             </a:r>
-            <a:endParaRPr lang="en-US"/>
           </a:p>
         </p:txBody>
       </p:sp>
@@ -5609,38 +5629,37 @@
           <a:p>
             <a:pPr lvl="0"/>
             <a:r>
-              <a:rPr lang="en-US" smtClean="0"/>
+              <a:rPr lang="en-US"/>
               <a:t>Click to edit Master text styles</a:t>
             </a:r>
           </a:p>
           <a:p>
             <a:pPr lvl="1"/>
             <a:r>
-              <a:rPr lang="en-US" smtClean="0"/>
+              <a:rPr lang="en-US"/>
               <a:t>Second level</a:t>
             </a:r>
           </a:p>
           <a:p>
             <a:pPr lvl="2"/>
             <a:r>
-              <a:rPr lang="en-US" smtClean="0"/>
+              <a:rPr lang="en-US"/>
               <a:t>Third level</a:t>
             </a:r>
           </a:p>
           <a:p>
             <a:pPr lvl="3"/>
             <a:r>
-              <a:rPr lang="en-US" smtClean="0"/>
+              <a:rPr lang="en-US"/>
               <a:t>Fourth level</a:t>
             </a:r>
           </a:p>
           <a:p>
             <a:pPr lvl="4"/>
             <a:r>
-              <a:rPr lang="en-US" smtClean="0"/>
+              <a:rPr lang="en-US"/>
               <a:t>Fifth level</a:t>
             </a:r>
-            <a:endParaRPr lang="en-US"/>
           </a:p>
         </p:txBody>
       </p:sp>
@@ -5667,7 +5686,7 @@
           <a:p>
             <a:fld id="{9373C94B-545F-424F-BB16-D9270BC354B3}" type="datetime1">
               <a:rPr lang="en-US" smtClean="0"/>
-              <a:t>2/2/19</a:t>
+              <a:t>2/4/2019</a:t>
             </a:fld>
             <a:endParaRPr lang="en-US"/>
           </a:p>
@@ -5698,10 +5717,9 @@
               <a:defRPr/>
             </a:pPr>
             <a:r>
-              <a:rPr lang="en-US" altLang="en-US" smtClean="0"/>
+              <a:rPr lang="en-US" altLang="en-US"/>
               <a:t>ECE Application Programming: Lecture 5</a:t>
             </a:r>
-            <a:endParaRPr lang="en-US" altLang="en-US"/>
           </a:p>
         </p:txBody>
       </p:sp>
@@ -5786,10 +5804,9 @@
           <a:lstStyle/>
           <a:p>
             <a:r>
-              <a:rPr lang="en-US" smtClean="0"/>
+              <a:rPr lang="en-US"/>
               <a:t>Click to edit Master title style</a:t>
             </a:r>
-            <a:endParaRPr lang="en-US"/>
           </a:p>
         </p:txBody>
       </p:sp>
@@ -5815,38 +5832,37 @@
           <a:p>
             <a:pPr lvl="0"/>
             <a:r>
-              <a:rPr lang="en-US" smtClean="0"/>
+              <a:rPr lang="en-US"/>
               <a:t>Click to edit Master text styles</a:t>
             </a:r>
           </a:p>
           <a:p>
             <a:pPr lvl="1"/>
             <a:r>
-              <a:rPr lang="en-US" smtClean="0"/>
+              <a:rPr lang="en-US"/>
               <a:t>Second level</a:t>
             </a:r>
           </a:p>
           <a:p>
             <a:pPr lvl="2"/>
             <a:r>
-              <a:rPr lang="en-US" smtClean="0"/>
+              <a:rPr lang="en-US"/>
               <a:t>Third level</a:t>
             </a:r>
           </a:p>
           <a:p>
             <a:pPr lvl="3"/>
             <a:r>
-              <a:rPr lang="en-US" smtClean="0"/>
+              <a:rPr lang="en-US"/>
               <a:t>Fourth level</a:t>
             </a:r>
           </a:p>
           <a:p>
             <a:pPr lvl="4"/>
             <a:r>
-              <a:rPr lang="en-US" smtClean="0"/>
+              <a:rPr lang="en-US"/>
               <a:t>Fifth level</a:t>
             </a:r>
-            <a:endParaRPr lang="en-US"/>
           </a:p>
         </p:txBody>
       </p:sp>
@@ -5872,38 +5888,37 @@
           <a:p>
             <a:pPr lvl="0"/>
             <a:r>
-              <a:rPr lang="en-US" smtClean="0"/>
+              <a:rPr lang="en-US"/>
               <a:t>Click to edit Master text styles</a:t>
             </a:r>
           </a:p>
           <a:p>
             <a:pPr lvl="1"/>
             <a:r>
-              <a:rPr lang="en-US" smtClean="0"/>
+              <a:rPr lang="en-US"/>
               <a:t>Second level</a:t>
             </a:r>
           </a:p>
           <a:p>
             <a:pPr lvl="2"/>
             <a:r>
-              <a:rPr lang="en-US" smtClean="0"/>
+              <a:rPr lang="en-US"/>
               <a:t>Third level</a:t>
             </a:r>
           </a:p>
           <a:p>
             <a:pPr lvl="3"/>
             <a:r>
-              <a:rPr lang="en-US" smtClean="0"/>
+              <a:rPr lang="en-US"/>
               <a:t>Fourth level</a:t>
             </a:r>
           </a:p>
           <a:p>
             <a:pPr lvl="4"/>
             <a:r>
-              <a:rPr lang="en-US" smtClean="0"/>
+              <a:rPr lang="en-US"/>
               <a:t>Fifth level</a:t>
             </a:r>
-            <a:endParaRPr lang="en-US"/>
           </a:p>
         </p:txBody>
       </p:sp>
@@ -5930,7 +5945,7 @@
           <a:p>
             <a:fld id="{B3057E54-17CF-F147-8F8C-31D562B11B3A}" type="datetime1">
               <a:rPr lang="en-US" smtClean="0"/>
-              <a:t>2/2/19</a:t>
+              <a:t>2/4/2019</a:t>
             </a:fld>
             <a:endParaRPr lang="en-US"/>
           </a:p>
@@ -5961,10 +5976,9 @@
               <a:defRPr/>
             </a:pPr>
             <a:r>
-              <a:rPr lang="en-US" altLang="en-US" smtClean="0"/>
+              <a:rPr lang="en-US" altLang="en-US"/>
               <a:t>ECE Application Programming: Lecture 5</a:t>
             </a:r>
-            <a:endParaRPr lang="en-US" altLang="en-US"/>
           </a:p>
         </p:txBody>
       </p:sp>
@@ -6044,10 +6058,9 @@
           <a:lstStyle/>
           <a:p>
             <a:r>
-              <a:rPr lang="en-US" smtClean="0"/>
+              <a:rPr lang="en-US"/>
               <a:t>Click to edit Master title style</a:t>
             </a:r>
-            <a:endParaRPr lang="en-US"/>
           </a:p>
         </p:txBody>
       </p:sp>
@@ -6068,38 +6081,37 @@
           <a:p>
             <a:pPr lvl="0"/>
             <a:r>
-              <a:rPr lang="en-US" smtClean="0"/>
+              <a:rPr lang="en-US"/>
               <a:t>Click to edit Master text styles</a:t>
             </a:r>
           </a:p>
           <a:p>
             <a:pPr lvl="1"/>
             <a:r>
-              <a:rPr lang="en-US" smtClean="0"/>
+              <a:rPr lang="en-US"/>
               <a:t>Second level</a:t>
             </a:r>
           </a:p>
           <a:p>
             <a:pPr lvl="2"/>
             <a:r>
-              <a:rPr lang="en-US" smtClean="0"/>
+              <a:rPr lang="en-US"/>
               <a:t>Third level</a:t>
             </a:r>
           </a:p>
           <a:p>
             <a:pPr lvl="3"/>
             <a:r>
-              <a:rPr lang="en-US" smtClean="0"/>
+              <a:rPr lang="en-US"/>
               <a:t>Fourth level</a:t>
             </a:r>
           </a:p>
           <a:p>
             <a:pPr lvl="4"/>
             <a:r>
-              <a:rPr lang="en-US" smtClean="0"/>
+              <a:rPr lang="en-US"/>
               <a:t>Fifth level</a:t>
             </a:r>
-            <a:endParaRPr lang="en-US"/>
           </a:p>
         </p:txBody>
       </p:sp>
@@ -6126,7 +6138,7 @@
           <a:p>
             <a:fld id="{28888A27-6320-AF42-B5B9-27BB24F270C3}" type="datetime1">
               <a:rPr lang="en-US" smtClean="0"/>
-              <a:t>2/2/19</a:t>
+              <a:t>2/4/2019</a:t>
             </a:fld>
             <a:endParaRPr lang="en-US"/>
           </a:p>
@@ -6157,10 +6169,9 @@
               <a:defRPr/>
             </a:pPr>
             <a:r>
-              <a:rPr lang="en-US" altLang="en-US" smtClean="0"/>
+              <a:rPr lang="en-US" altLang="en-US"/>
               <a:t>ECE Application Programming: Lecture 5</a:t>
             </a:r>
-            <a:endParaRPr lang="en-US" altLang="en-US"/>
           </a:p>
         </p:txBody>
       </p:sp>
@@ -6249,10 +6260,9 @@
           </a:lstStyle>
           <a:p>
             <a:r>
-              <a:rPr lang="en-US" smtClean="0"/>
+              <a:rPr lang="en-US"/>
               <a:t>Click to edit Master title style</a:t>
             </a:r>
-            <a:endParaRPr lang="en-US"/>
           </a:p>
         </p:txBody>
       </p:sp>
@@ -6315,7 +6325,7 @@
           <a:p>
             <a:pPr lvl="0"/>
             <a:r>
-              <a:rPr lang="en-US" smtClean="0"/>
+              <a:rPr lang="en-US"/>
               <a:t>Click to edit Master text styles</a:t>
             </a:r>
           </a:p>
@@ -6344,7 +6354,7 @@
           <a:p>
             <a:fld id="{57AA57AA-DFFB-F84E-8E18-384D2BF083FA}" type="datetime1">
               <a:rPr lang="en-US" smtClean="0"/>
-              <a:t>2/2/19</a:t>
+              <a:t>2/4/2019</a:t>
             </a:fld>
             <a:endParaRPr lang="en-US"/>
           </a:p>
@@ -6375,10 +6385,9 @@
               <a:defRPr/>
             </a:pPr>
             <a:r>
-              <a:rPr lang="en-US" altLang="en-US" smtClean="0"/>
+              <a:rPr lang="en-US" altLang="en-US"/>
               <a:t>ECE Application Programming: Lecture 5</a:t>
             </a:r>
-            <a:endParaRPr lang="en-US" altLang="en-US"/>
           </a:p>
         </p:txBody>
       </p:sp>
@@ -6458,10 +6467,9 @@
           <a:lstStyle/>
           <a:p>
             <a:r>
-              <a:rPr lang="en-US" smtClean="0"/>
+              <a:rPr lang="en-US"/>
               <a:t>Click to edit Master title style</a:t>
             </a:r>
-            <a:endParaRPr lang="en-US"/>
           </a:p>
         </p:txBody>
       </p:sp>
@@ -6515,38 +6523,37 @@
           <a:p>
             <a:pPr lvl="0"/>
             <a:r>
-              <a:rPr lang="en-US" smtClean="0"/>
+              <a:rPr lang="en-US"/>
               <a:t>Click to edit Master text styles</a:t>
             </a:r>
           </a:p>
           <a:p>
             <a:pPr lvl="1"/>
             <a:r>
-              <a:rPr lang="en-US" smtClean="0"/>
+              <a:rPr lang="en-US"/>
               <a:t>Second level</a:t>
             </a:r>
           </a:p>
           <a:p>
             <a:pPr lvl="2"/>
             <a:r>
-              <a:rPr lang="en-US" smtClean="0"/>
+              <a:rPr lang="en-US"/>
               <a:t>Third level</a:t>
             </a:r>
           </a:p>
           <a:p>
             <a:pPr lvl="3"/>
             <a:r>
-              <a:rPr lang="en-US" smtClean="0"/>
+              <a:rPr lang="en-US"/>
               <a:t>Fourth level</a:t>
             </a:r>
           </a:p>
           <a:p>
             <a:pPr lvl="4"/>
             <a:r>
-              <a:rPr lang="en-US" smtClean="0"/>
+              <a:rPr lang="en-US"/>
               <a:t>Fifth level</a:t>
             </a:r>
-            <a:endParaRPr lang="en-US"/>
           </a:p>
         </p:txBody>
       </p:sp>
@@ -6600,38 +6607,37 @@
           <a:p>
             <a:pPr lvl="0"/>
             <a:r>
-              <a:rPr lang="en-US" smtClean="0"/>
+              <a:rPr lang="en-US"/>
               <a:t>Click to edit Master text styles</a:t>
             </a:r>
           </a:p>
           <a:p>
             <a:pPr lvl="1"/>
             <a:r>
-              <a:rPr lang="en-US" smtClean="0"/>
+              <a:rPr lang="en-US"/>
               <a:t>Second level</a:t>
             </a:r>
           </a:p>
           <a:p>
             <a:pPr lvl="2"/>
             <a:r>
-              <a:rPr lang="en-US" smtClean="0"/>
+              <a:rPr lang="en-US"/>
               <a:t>Third level</a:t>
             </a:r>
           </a:p>
           <a:p>
             <a:pPr lvl="3"/>
             <a:r>
-              <a:rPr lang="en-US" smtClean="0"/>
+              <a:rPr lang="en-US"/>
               <a:t>Fourth level</a:t>
             </a:r>
           </a:p>
           <a:p>
             <a:pPr lvl="4"/>
             <a:r>
-              <a:rPr lang="en-US" smtClean="0"/>
+              <a:rPr lang="en-US"/>
               <a:t>Fifth level</a:t>
             </a:r>
-            <a:endParaRPr lang="en-US"/>
           </a:p>
         </p:txBody>
       </p:sp>
@@ -6658,7 +6664,7 @@
           <a:p>
             <a:fld id="{9F3A900D-FD96-4D43-AAF5-13D0F3796593}" type="datetime1">
               <a:rPr lang="en-US" smtClean="0"/>
-              <a:t>2/2/19</a:t>
+              <a:t>2/4/2019</a:t>
             </a:fld>
             <a:endParaRPr lang="en-US"/>
           </a:p>
@@ -6689,10 +6695,9 @@
               <a:defRPr/>
             </a:pPr>
             <a:r>
-              <a:rPr lang="en-US" altLang="en-US" smtClean="0"/>
+              <a:rPr lang="en-US" altLang="en-US"/>
               <a:t>ECE Application Programming: Lecture 5</a:t>
             </a:r>
-            <a:endParaRPr lang="en-US" altLang="en-US"/>
           </a:p>
         </p:txBody>
       </p:sp>
@@ -6781,10 +6786,9 @@
           </a:lstStyle>
           <a:p>
             <a:r>
-              <a:rPr lang="en-US" smtClean="0"/>
+              <a:rPr lang="en-US"/>
               <a:t>Click to edit Master title style</a:t>
             </a:r>
-            <a:endParaRPr lang="en-US"/>
           </a:p>
         </p:txBody>
       </p:sp>
@@ -6847,7 +6851,7 @@
           <a:p>
             <a:pPr lvl="0"/>
             <a:r>
-              <a:rPr lang="en-US" smtClean="0"/>
+              <a:rPr lang="en-US"/>
               <a:t>Click to edit Master text styles</a:t>
             </a:r>
           </a:p>
@@ -6903,38 +6907,37 @@
           <a:p>
             <a:pPr lvl="0"/>
             <a:r>
-              <a:rPr lang="en-US" smtClean="0"/>
+              <a:rPr lang="en-US"/>
               <a:t>Click to edit Master text styles</a:t>
             </a:r>
           </a:p>
           <a:p>
             <a:pPr lvl="1"/>
             <a:r>
-              <a:rPr lang="en-US" smtClean="0"/>
+              <a:rPr lang="en-US"/>
               <a:t>Second level</a:t>
             </a:r>
           </a:p>
           <a:p>
             <a:pPr lvl="2"/>
             <a:r>
-              <a:rPr lang="en-US" smtClean="0"/>
+              <a:rPr lang="en-US"/>
               <a:t>Third level</a:t>
             </a:r>
           </a:p>
           <a:p>
             <a:pPr lvl="3"/>
             <a:r>
-              <a:rPr lang="en-US" smtClean="0"/>
+              <a:rPr lang="en-US"/>
               <a:t>Fourth level</a:t>
             </a:r>
           </a:p>
           <a:p>
             <a:pPr lvl="4"/>
             <a:r>
-              <a:rPr lang="en-US" smtClean="0"/>
+              <a:rPr lang="en-US"/>
               <a:t>Fifth level</a:t>
             </a:r>
-            <a:endParaRPr lang="en-US"/>
           </a:p>
         </p:txBody>
       </p:sp>
@@ -6997,7 +7000,7 @@
           <a:p>
             <a:pPr lvl="0"/>
             <a:r>
-              <a:rPr lang="en-US" smtClean="0"/>
+              <a:rPr lang="en-US"/>
               <a:t>Click to edit Master text styles</a:t>
             </a:r>
           </a:p>
@@ -7053,38 +7056,37 @@
           <a:p>
             <a:pPr lvl="0"/>
             <a:r>
-              <a:rPr lang="en-US" smtClean="0"/>
+              <a:rPr lang="en-US"/>
               <a:t>Click to edit Master text styles</a:t>
             </a:r>
           </a:p>
           <a:p>
             <a:pPr lvl="1"/>
             <a:r>
-              <a:rPr lang="en-US" smtClean="0"/>
+              <a:rPr lang="en-US"/>
               <a:t>Second level</a:t>
             </a:r>
           </a:p>
           <a:p>
             <a:pPr lvl="2"/>
             <a:r>
-              <a:rPr lang="en-US" smtClean="0"/>
+              <a:rPr lang="en-US"/>
               <a:t>Third level</a:t>
             </a:r>
           </a:p>
           <a:p>
             <a:pPr lvl="3"/>
             <a:r>
-              <a:rPr lang="en-US" smtClean="0"/>
+              <a:rPr lang="en-US"/>
               <a:t>Fourth level</a:t>
             </a:r>
           </a:p>
           <a:p>
             <a:pPr lvl="4"/>
             <a:r>
-              <a:rPr lang="en-US" smtClean="0"/>
+              <a:rPr lang="en-US"/>
               <a:t>Fifth level</a:t>
             </a:r>
-            <a:endParaRPr lang="en-US"/>
           </a:p>
         </p:txBody>
       </p:sp>
@@ -7111,7 +7113,7 @@
           <a:p>
             <a:fld id="{7CF536B7-2483-194C-832C-AB1C8EBE3081}" type="datetime1">
               <a:rPr lang="en-US" smtClean="0"/>
-              <a:t>2/2/19</a:t>
+              <a:t>2/4/2019</a:t>
             </a:fld>
             <a:endParaRPr lang="en-US"/>
           </a:p>
@@ -7142,10 +7144,9 @@
               <a:defRPr/>
             </a:pPr>
             <a:r>
-              <a:rPr lang="en-US" altLang="en-US" smtClean="0"/>
+              <a:rPr lang="en-US" altLang="en-US"/>
               <a:t>ECE Application Programming: Lecture 5</a:t>
             </a:r>
-            <a:endParaRPr lang="en-US" altLang="en-US"/>
           </a:p>
         </p:txBody>
       </p:sp>
@@ -7225,10 +7226,9 @@
           <a:lstStyle/>
           <a:p>
             <a:r>
-              <a:rPr lang="en-US" smtClean="0"/>
+              <a:rPr lang="en-US"/>
               <a:t>Click to edit Master title style</a:t>
             </a:r>
-            <a:endParaRPr lang="en-US"/>
           </a:p>
         </p:txBody>
       </p:sp>
@@ -7255,7 +7255,7 @@
           <a:p>
             <a:fld id="{70795A02-683E-834F-B30C-043DF13D4084}" type="datetime1">
               <a:rPr lang="en-US" smtClean="0"/>
-              <a:t>2/2/19</a:t>
+              <a:t>2/4/2019</a:t>
             </a:fld>
             <a:endParaRPr lang="en-US"/>
           </a:p>
@@ -7286,10 +7286,9 @@
               <a:defRPr/>
             </a:pPr>
             <a:r>
-              <a:rPr lang="en-US" altLang="en-US" smtClean="0"/>
+              <a:rPr lang="en-US" altLang="en-US"/>
               <a:t>ECE Application Programming: Lecture 5</a:t>
             </a:r>
-            <a:endParaRPr lang="en-US" altLang="en-US"/>
           </a:p>
         </p:txBody>
       </p:sp>
@@ -7376,7 +7375,7 @@
           <a:p>
             <a:fld id="{7829EFB2-8BC5-6D49-B825-80D96C792D1E}" type="datetime1">
               <a:rPr lang="en-US" smtClean="0"/>
-              <a:t>2/2/19</a:t>
+              <a:t>2/4/2019</a:t>
             </a:fld>
             <a:endParaRPr lang="en-US"/>
           </a:p>
@@ -7407,10 +7406,9 @@
               <a:defRPr/>
             </a:pPr>
             <a:r>
-              <a:rPr lang="en-US" altLang="en-US" smtClean="0"/>
+              <a:rPr lang="en-US" altLang="en-US"/>
               <a:t>ECE Application Programming: Lecture 5</a:t>
             </a:r>
-            <a:endParaRPr lang="en-US" altLang="en-US"/>
           </a:p>
         </p:txBody>
       </p:sp>
@@ -7499,10 +7497,9 @@
           </a:lstStyle>
           <a:p>
             <a:r>
-              <a:rPr lang="en-US" smtClean="0"/>
+              <a:rPr lang="en-US"/>
               <a:t>Click to edit Master title style</a:t>
             </a:r>
-            <a:endParaRPr lang="en-US"/>
           </a:p>
         </p:txBody>
       </p:sp>
@@ -7556,38 +7553,37 @@
           <a:p>
             <a:pPr lvl="0"/>
             <a:r>
-              <a:rPr lang="en-US" smtClean="0"/>
+              <a:rPr lang="en-US"/>
               <a:t>Click to edit Master text styles</a:t>
             </a:r>
           </a:p>
           <a:p>
             <a:pPr lvl="1"/>
             <a:r>
-              <a:rPr lang="en-US" smtClean="0"/>
+              <a:rPr lang="en-US"/>
               <a:t>Second level</a:t>
             </a:r>
           </a:p>
           <a:p>
             <a:pPr lvl="2"/>
             <a:r>
-              <a:rPr lang="en-US" smtClean="0"/>
+              <a:rPr lang="en-US"/>
               <a:t>Third level</a:t>
             </a:r>
           </a:p>
           <a:p>
             <a:pPr lvl="3"/>
             <a:r>
-              <a:rPr lang="en-US" smtClean="0"/>
+              <a:rPr lang="en-US"/>
               <a:t>Fourth level</a:t>
             </a:r>
           </a:p>
           <a:p>
             <a:pPr lvl="4"/>
             <a:r>
-              <a:rPr lang="en-US" smtClean="0"/>
+              <a:rPr lang="en-US"/>
               <a:t>Fifth level</a:t>
             </a:r>
-            <a:endParaRPr lang="en-US"/>
           </a:p>
         </p:txBody>
       </p:sp>
@@ -7650,7 +7646,7 @@
           <a:p>
             <a:pPr lvl="0"/>
             <a:r>
-              <a:rPr lang="en-US" smtClean="0"/>
+              <a:rPr lang="en-US"/>
               <a:t>Click to edit Master text styles</a:t>
             </a:r>
           </a:p>
@@ -7679,7 +7675,7 @@
           <a:p>
             <a:fld id="{7469EE7B-BCAA-124F-B6F7-DCF859DFAFF4}" type="datetime1">
               <a:rPr lang="en-US" smtClean="0"/>
-              <a:t>2/2/19</a:t>
+              <a:t>2/4/2019</a:t>
             </a:fld>
             <a:endParaRPr lang="en-US"/>
           </a:p>
@@ -7710,10 +7706,9 @@
               <a:defRPr/>
             </a:pPr>
             <a:r>
-              <a:rPr lang="en-US" altLang="en-US" smtClean="0"/>
+              <a:rPr lang="en-US" altLang="en-US"/>
               <a:t>ECE Application Programming: Lecture 5</a:t>
             </a:r>
-            <a:endParaRPr lang="en-US" altLang="en-US"/>
           </a:p>
         </p:txBody>
       </p:sp>
@@ -7802,10 +7797,9 @@
           </a:lstStyle>
           <a:p>
             <a:r>
-              <a:rPr lang="en-US" smtClean="0"/>
+              <a:rPr lang="en-US"/>
               <a:t>Click to edit Master title style</a:t>
             </a:r>
-            <a:endParaRPr lang="en-US"/>
           </a:p>
         </p:txBody>
       </p:sp>
@@ -7867,7 +7861,7 @@
           </a:lstStyle>
           <a:p>
             <a:pPr lvl="0"/>
-            <a:endParaRPr lang="en-US" noProof="0" smtClean="0"/>
+            <a:endParaRPr lang="en-US" noProof="0"/>
           </a:p>
         </p:txBody>
       </p:sp>
@@ -7930,7 +7924,7 @@
           <a:p>
             <a:pPr lvl="0"/>
             <a:r>
-              <a:rPr lang="en-US" smtClean="0"/>
+              <a:rPr lang="en-US"/>
               <a:t>Click to edit Master text styles</a:t>
             </a:r>
           </a:p>
@@ -7959,7 +7953,7 @@
           <a:p>
             <a:fld id="{1396A335-E9B6-B349-A386-4B785A7E74EB}" type="datetime1">
               <a:rPr lang="en-US" smtClean="0"/>
-              <a:t>2/2/19</a:t>
+              <a:t>2/4/2019</a:t>
             </a:fld>
             <a:endParaRPr lang="en-US"/>
           </a:p>
@@ -7990,10 +7984,9 @@
               <a:defRPr/>
             </a:pPr>
             <a:r>
-              <a:rPr lang="en-US" altLang="en-US" smtClean="0"/>
+              <a:rPr lang="en-US" altLang="en-US"/>
               <a:t>ECE Application Programming: Lecture 5</a:t>
             </a:r>
-            <a:endParaRPr lang="en-US" altLang="en-US"/>
           </a:p>
         </p:txBody>
       </p:sp>
@@ -8089,7 +8082,7 @@
           </a:ln>
           <a:extLst>
             <a:ext uri="{FAA26D3D-D897-4be2-8F04-BA451C77F1D7}">
-              <ma14:placeholderFlag xmlns:ma14="http://schemas.microsoft.com/office/mac/drawingml/2011/main" val="1"/>
+              <ma14:placeholderFlag xmlns:ma14="http://schemas.microsoft.com/office/mac/drawingml/2011/main" xmlns="" val="1"/>
             </a:ext>
             <a:ext uri="{909E8E84-426E-40dd-AFC4-6F175D3DCCD1}">
               <a14:hiddenFill xmlns="" xmlns:a14="http://schemas.microsoft.com/office/drawing/2010/main">
@@ -8150,7 +8143,7 @@
           </a:ln>
           <a:extLst>
             <a:ext uri="{FAA26D3D-D897-4be2-8F04-BA451C77F1D7}">
-              <ma14:placeholderFlag xmlns:ma14="http://schemas.microsoft.com/office/mac/drawingml/2011/main" val="1"/>
+              <ma14:placeholderFlag xmlns:ma14="http://schemas.microsoft.com/office/mac/drawingml/2011/main" xmlns="" val="1"/>
             </a:ext>
             <a:ext uri="{909E8E84-426E-40dd-AFC4-6F175D3DCCD1}">
               <a14:hiddenFill xmlns="" xmlns:a14="http://schemas.microsoft.com/office/drawing/2010/main">
@@ -8258,7 +8251,7 @@
           <a:p>
             <a:fld id="{C19B061B-21CA-4349-8235-71A49D2D8163}" type="datetime1">
               <a:rPr lang="en-US" smtClean="0"/>
-              <a:t>2/2/19</a:t>
+              <a:t>2/4/2019</a:t>
             </a:fld>
             <a:endParaRPr lang="en-US"/>
           </a:p>
@@ -8311,10 +8304,9 @@
               <a:defRPr/>
             </a:pPr>
             <a:r>
-              <a:rPr lang="en-US" altLang="en-US" smtClean="0"/>
+              <a:rPr lang="en-US" altLang="en-US"/>
               <a:t>ECE Application Programming: Lecture 5</a:t>
             </a:r>
-            <a:endParaRPr lang="en-US" altLang="en-US"/>
           </a:p>
         </p:txBody>
       </p:sp>
@@ -8508,13 +8500,6 @@
     <p:sldLayoutId id="2147484461" r:id="rId12"/>
     <p:sldLayoutId id="2147484462" r:id="rId13"/>
   </p:sldLayoutIdLst>
-  <p:timing>
-    <p:tnLst>
-      <p:par>
-        <p:cTn id="1" dur="indefinite" restart="never" nodeType="tmRoot"/>
-      </p:par>
-    </p:tnLst>
-  </p:timing>
   <p:hf hdr="0"/>
   <p:txStyles>
     <p:titleStyle>
@@ -8977,16 +8962,10 @@
           <a:p>
             <a:pPr algn="ctr" eaLnBrk="1" hangingPunct="1"/>
             <a:r>
-              <a:rPr lang="en-US" sz="4600" dirty="0" smtClean="0">
-                <a:latin typeface="Garamond" charset="0"/>
-              </a:rPr>
-              <a:t>EECE.2160</a:t>
-            </a:r>
-            <a:r>
               <a:rPr lang="en-US" sz="4600" dirty="0">
                 <a:latin typeface="Garamond" charset="0"/>
               </a:rPr>
-              <a:t/>
+              <a:t>EECE.2160</a:t>
             </a:r>
             <a:br>
               <a:rPr lang="en-US" sz="4600" dirty="0">
@@ -9032,14 +9011,11 @@
               <a:buNone/>
             </a:pPr>
             <a:r>
-              <a:rPr lang="en-US" dirty="0" smtClean="0">
+              <a:rPr lang="en-US" dirty="0">
                 <a:latin typeface="Arial" charset="0"/>
               </a:rPr>
               <a:t>Instructors:  </a:t>
             </a:r>
-            <a:endParaRPr lang="en-US" dirty="0" smtClean="0">
-              <a:latin typeface="Arial" charset="0"/>
-            </a:endParaRPr>
           </a:p>
           <a:p>
             <a:pPr algn="ctr" eaLnBrk="1" hangingPunct="1">
@@ -9050,26 +9026,11 @@
               <a:buNone/>
             </a:pPr>
             <a:r>
-              <a:rPr lang="en-US" dirty="0" smtClean="0">
-                <a:latin typeface="Arial" charset="0"/>
-              </a:rPr>
-              <a:t>Dr</a:t>
-            </a:r>
-            <a:r>
               <a:rPr lang="en-US" dirty="0">
                 <a:latin typeface="Arial" charset="0"/>
               </a:rPr>
-              <a:t>. Michael </a:t>
-            </a:r>
-            <a:r>
-              <a:rPr lang="en-US" dirty="0" smtClean="0">
-                <a:latin typeface="Arial" charset="0"/>
-              </a:rPr>
-              <a:t>Geiger &amp; Dr. Lin Li</a:t>
-            </a:r>
-            <a:endParaRPr lang="en-US" dirty="0">
-              <a:latin typeface="Arial" charset="0"/>
-            </a:endParaRPr>
+              <a:t>Dr. Michael Geiger &amp; Dr. Lin Li</a:t>
+            </a:r>
           </a:p>
           <a:p>
             <a:pPr algn="ctr" eaLnBrk="1" hangingPunct="1">
@@ -9080,14 +9041,11 @@
               <a:buNone/>
             </a:pPr>
             <a:r>
-              <a:rPr lang="en-US" dirty="0" smtClean="0">
+              <a:rPr lang="en-US" dirty="0">
                 <a:latin typeface="Arial" charset="0"/>
               </a:rPr>
               <a:t>Spring 2019</a:t>
             </a:r>
-            <a:endParaRPr lang="en-US" dirty="0">
-              <a:latin typeface="Arial" charset="0"/>
-            </a:endParaRPr>
           </a:p>
           <a:p>
             <a:pPr algn="ctr" eaLnBrk="1" hangingPunct="1">
@@ -9116,16 +9074,7 @@
                 </a:solidFill>
                 <a:latin typeface="Arial" charset="0"/>
               </a:rPr>
-              <a:t>Lecture </a:t>
-            </a:r>
-            <a:r>
-              <a:rPr lang="en-US" b="1" dirty="0" smtClean="0">
-                <a:solidFill>
-                  <a:srgbClr val="0000FF"/>
-                </a:solidFill>
-                <a:latin typeface="Arial" charset="0"/>
-              </a:rPr>
-              <a:t>5:</a:t>
+              <a:t>Lecture 5:</a:t>
             </a:r>
             <a:endParaRPr lang="en-US" dirty="0">
               <a:latin typeface="Arial" charset="0"/>
@@ -9140,19 +9089,19 @@
               <a:buNone/>
             </a:pPr>
             <a:r>
-              <a:rPr lang="en-US" dirty="0" smtClean="0">
+              <a:rPr lang="en-US" dirty="0">
                 <a:latin typeface="Arial" charset="0"/>
               </a:rPr>
               <a:t>Basic variable output with </a:t>
             </a:r>
             <a:r>
-              <a:rPr lang="en-US" dirty="0" err="1" smtClean="0">
+              <a:rPr lang="en-US" dirty="0" err="1">
                 <a:latin typeface="Arial" charset="0"/>
               </a:rPr>
               <a:t>printf</a:t>
             </a:r>
             <a:r>
-              <a:rPr lang="en-US" dirty="0" smtClean="0">
+              <a:rPr lang="en-US" dirty="0">
                 <a:latin typeface="Arial" charset="0"/>
               </a:rPr>
               <a:t>()</a:t>
@@ -9167,26 +9116,23 @@
               <a:buNone/>
             </a:pPr>
             <a:r>
-              <a:rPr lang="en-US" dirty="0" smtClean="0">
+              <a:rPr lang="en-US" dirty="0">
                 <a:latin typeface="Arial" charset="0"/>
               </a:rPr>
               <a:t>Basic variable input with </a:t>
             </a:r>
             <a:r>
-              <a:rPr lang="en-US" dirty="0" err="1" smtClean="0">
+              <a:rPr lang="en-US" dirty="0" err="1">
                 <a:latin typeface="Arial" charset="0"/>
               </a:rPr>
               <a:t>scanf</a:t>
             </a:r>
             <a:r>
-              <a:rPr lang="en-US" dirty="0" smtClean="0">
+              <a:rPr lang="en-US" dirty="0">
                 <a:latin typeface="Arial" charset="0"/>
               </a:rPr>
               <a:t>() </a:t>
             </a:r>
-            <a:endParaRPr lang="en-US" dirty="0">
-              <a:latin typeface="Arial" charset="0"/>
-            </a:endParaRPr>
           </a:p>
         </p:txBody>
       </p:sp>
@@ -9195,13 +9141,6 @@
   <p:clrMapOvr>
     <a:masterClrMapping/>
   </p:clrMapOvr>
-  <p:timing>
-    <p:tnLst>
-      <p:par>
-        <p:cTn id="1" dur="indefinite" restart="never" nodeType="tmRoot"/>
-      </p:par>
-    </p:tnLst>
-  </p:timing>
 </p:sld>
 </file>
 
@@ -9634,7 +9573,7 @@
               <a:rPr lang="en-US" smtClean="0">
                 <a:latin typeface="Garamond" charset="0"/>
               </a:rPr>
-              <a:t>2/2/19</a:t>
+              <a:t>2/4/2019</a:t>
             </a:fld>
             <a:endParaRPr lang="en-US">
               <a:latin typeface="Garamond" charset="0"/>
@@ -9661,10 +9600,9 @@
               <a:defRPr/>
             </a:pPr>
             <a:r>
-              <a:rPr lang="en-US" altLang="en-US" smtClean="0"/>
+              <a:rPr lang="en-US" altLang="en-US"/>
               <a:t>ECE Application Programming: Lecture 5</a:t>
             </a:r>
-            <a:endParaRPr lang="en-US" altLang="en-US"/>
           </a:p>
         </p:txBody>
       </p:sp>
@@ -9822,13 +9760,6 @@
   <p:clrMapOvr>
     <a:masterClrMapping/>
   </p:clrMapOvr>
-  <p:timing>
-    <p:tnLst>
-      <p:par>
-        <p:cTn id="1" dur="indefinite" restart="never" nodeType="tmRoot"/>
-      </p:par>
-    </p:tnLst>
-  </p:timing>
 </p:sld>
 </file>
 
@@ -10450,7 +10381,7 @@
               <a:rPr lang="en-US" smtClean="0">
                 <a:latin typeface="Garamond" charset="0"/>
               </a:rPr>
-              <a:t>2/2/19</a:t>
+              <a:t>2/4/2019</a:t>
             </a:fld>
             <a:endParaRPr lang="en-US">
               <a:latin typeface="Garamond" charset="0"/>
@@ -10477,10 +10408,9 @@
               <a:defRPr/>
             </a:pPr>
             <a:r>
-              <a:rPr lang="en-US" altLang="en-US" smtClean="0"/>
+              <a:rPr lang="en-US" altLang="en-US"/>
               <a:t>ECE Application Programming: Lecture 6</a:t>
             </a:r>
-            <a:endParaRPr lang="en-US" altLang="en-US"/>
           </a:p>
         </p:txBody>
       </p:sp>
@@ -10494,13 +10424,6 @@
   <p:clrMapOvr>
     <a:masterClrMapping/>
   </p:clrMapOvr>
-  <p:timing>
-    <p:tnLst>
-      <p:par>
-        <p:cTn id="1" dur="indefinite" restart="never" nodeType="tmRoot"/>
-      </p:par>
-    </p:tnLst>
-  </p:timing>
 </p:sld>
 </file>
 
@@ -10820,7 +10743,7 @@
               <a:rPr lang="en-US" smtClean="0">
                 <a:latin typeface="Garamond" charset="0"/>
               </a:rPr>
-              <a:t>2/2/19</a:t>
+              <a:t>2/4/2019</a:t>
             </a:fld>
             <a:endParaRPr lang="en-US">
               <a:latin typeface="Garamond" charset="0"/>
@@ -10847,10 +10770,9 @@
               <a:defRPr/>
             </a:pPr>
             <a:r>
-              <a:rPr lang="en-US" altLang="en-US" smtClean="0"/>
+              <a:rPr lang="en-US" altLang="en-US"/>
               <a:t>ECE Application Programming: Lecture 6</a:t>
             </a:r>
-            <a:endParaRPr lang="en-US" altLang="en-US"/>
           </a:p>
         </p:txBody>
       </p:sp>
@@ -11008,13 +10930,6 @@
   <p:clrMapOvr>
     <a:masterClrMapping/>
   </p:clrMapOvr>
-  <p:timing>
-    <p:tnLst>
-      <p:par>
-        <p:cTn id="1" dur="indefinite" restart="never" nodeType="tmRoot"/>
-      </p:par>
-    </p:tnLst>
-  </p:timing>
 </p:sld>
 </file>
 
@@ -11684,7 +11599,7 @@
               <a:rPr lang="en-US" smtClean="0">
                 <a:latin typeface="Garamond" charset="0"/>
               </a:rPr>
-              <a:t>2/2/19</a:t>
+              <a:t>2/4/2019</a:t>
             </a:fld>
             <a:endParaRPr lang="en-US">
               <a:latin typeface="Garamond" charset="0"/>
@@ -11711,10 +11626,9 @@
               <a:defRPr/>
             </a:pPr>
             <a:r>
-              <a:rPr lang="en-US" altLang="en-US" smtClean="0"/>
+              <a:rPr lang="en-US" altLang="en-US"/>
               <a:t>ECE Application Programming: Lecture 6</a:t>
             </a:r>
-            <a:endParaRPr lang="en-US" altLang="en-US"/>
           </a:p>
         </p:txBody>
       </p:sp>
@@ -11728,13 +11642,6 @@
   <p:clrMapOvr>
     <a:masterClrMapping/>
   </p:clrMapOvr>
-  <p:timing>
-    <p:tnLst>
-      <p:par>
-        <p:cTn id="1" dur="indefinite" restart="never" nodeType="tmRoot"/>
-      </p:par>
-    </p:tnLst>
-  </p:timing>
 </p:sld>
 </file>
 
@@ -13093,7 +13000,7 @@
               <a:rPr lang="en-US" smtClean="0">
                 <a:latin typeface="Garamond" charset="0"/>
               </a:rPr>
-              <a:t>2/2/19</a:t>
+              <a:t>2/4/2019</a:t>
             </a:fld>
             <a:endParaRPr lang="en-US">
               <a:latin typeface="Garamond" charset="0"/>
@@ -13120,10 +13027,9 @@
               <a:defRPr/>
             </a:pPr>
             <a:r>
-              <a:rPr lang="en-US" altLang="en-US" smtClean="0"/>
+              <a:rPr lang="en-US" altLang="en-US"/>
               <a:t>ECE Application Programming: Lecture 6</a:t>
             </a:r>
-            <a:endParaRPr lang="en-US" altLang="en-US"/>
           </a:p>
         </p:txBody>
       </p:sp>
@@ -13137,13 +13043,6 @@
   <p:clrMapOvr>
     <a:masterClrMapping/>
   </p:clrMapOvr>
-  <p:timing>
-    <p:tnLst>
-      <p:par>
-        <p:cTn id="1" dur="indefinite" restart="never" nodeType="tmRoot"/>
-      </p:par>
-    </p:tnLst>
-  </p:timing>
 </p:sld>
 </file>
 
@@ -13686,7 +13585,7 @@
               <a:rPr lang="en-US" smtClean="0">
                 <a:latin typeface="Garamond" charset="0"/>
               </a:rPr>
-              <a:t>2/2/19</a:t>
+              <a:t>2/4/2019</a:t>
             </a:fld>
             <a:endParaRPr lang="en-US">
               <a:latin typeface="Garamond" charset="0"/>
@@ -13713,10 +13612,9 @@
               <a:defRPr/>
             </a:pPr>
             <a:r>
-              <a:rPr lang="en-US" altLang="en-US" smtClean="0"/>
+              <a:rPr lang="en-US" altLang="en-US"/>
               <a:t>ECE Application Programming: Lecture 6</a:t>
             </a:r>
-            <a:endParaRPr lang="en-US" altLang="en-US"/>
           </a:p>
         </p:txBody>
       </p:sp>
@@ -13874,13 +13772,6 @@
   <p:clrMapOvr>
     <a:masterClrMapping/>
   </p:clrMapOvr>
-  <p:timing>
-    <p:tnLst>
-      <p:par>
-        <p:cTn id="1" dur="indefinite" restart="never" nodeType="tmRoot"/>
-      </p:par>
-    </p:tnLst>
-  </p:timing>
 </p:sld>
 </file>
 
@@ -13948,7 +13839,7 @@
               <a:defRPr/>
             </a:pPr>
             <a:r>
-              <a:rPr lang="en-US" dirty="0" err="1" smtClean="0">
+              <a:rPr lang="en-US" dirty="0" err="1">
                 <a:latin typeface="Courier New" pitchFamily="49" charset="0"/>
                 <a:ea typeface="+mn-ea"/>
                 <a:cs typeface="Courier New" pitchFamily="49" charset="0"/>
@@ -13967,19 +13858,7 @@
               <a:rPr lang="en-US" dirty="0">
                 <a:ea typeface="+mn-ea"/>
               </a:rPr>
-              <a:t> returns # of </a:t>
-            </a:r>
-            <a:r>
-              <a:rPr lang="en-US" dirty="0" smtClean="0">
-                <a:ea typeface="+mn-ea"/>
-              </a:rPr>
-              <a:t>successfully read </a:t>
-            </a:r>
-            <a:r>
-              <a:rPr lang="en-US" dirty="0">
-                <a:ea typeface="+mn-ea"/>
-              </a:rPr>
-              <a:t>items</a:t>
+              <a:t> returns # of successfully read items</a:t>
             </a:r>
           </a:p>
           <a:p>
@@ -14000,41 +13879,27 @@
               <a:t>scanf</a:t>
             </a:r>
             <a:r>
-              <a:rPr lang="en-US" dirty="0" smtClean="0">
-                <a:latin typeface="Courier New" pitchFamily="49" charset="0"/>
-                <a:cs typeface="Courier New" pitchFamily="49" charset="0"/>
-              </a:rPr>
-              <a:t>("%</a:t>
-            </a:r>
-            <a:r>
-              <a:rPr lang="en-US" dirty="0" err="1" smtClean="0">
-                <a:latin typeface="Courier New" pitchFamily="49" charset="0"/>
-                <a:cs typeface="Courier New" pitchFamily="49" charset="0"/>
-              </a:rPr>
-              <a:t>d%d</a:t>
-            </a:r>
-            <a:r>
-              <a:rPr lang="en-US" dirty="0" smtClean="0">
-                <a:latin typeface="Courier New" pitchFamily="49" charset="0"/>
-                <a:cs typeface="Courier New" pitchFamily="49" charset="0"/>
-              </a:rPr>
-              <a:t>", </a:t>
-            </a:r>
-            <a:r>
               <a:rPr lang="en-US" dirty="0">
                 <a:latin typeface="Courier New" pitchFamily="49" charset="0"/>
                 <a:cs typeface="Courier New" pitchFamily="49" charset="0"/>
               </a:rPr>
-              <a:t>&amp;x, &amp;y</a:t>
-            </a:r>
-            <a:r>
-              <a:rPr lang="en-US" dirty="0" smtClean="0">
+              <a:t>("%</a:t>
+            </a:r>
+            <a:r>
+              <a:rPr lang="en-US" dirty="0" err="1">
                 <a:latin typeface="Courier New" pitchFamily="49" charset="0"/>
                 <a:cs typeface="Courier New" pitchFamily="49" charset="0"/>
               </a:rPr>
-              <a:t>);</a:t>
-            </a:r>
-            <a:endParaRPr lang="en-US" dirty="0" smtClean="0"/>
+              <a:t>d%d</a:t>
+            </a:r>
+            <a:r>
+              <a:rPr lang="en-US" dirty="0">
+                <a:latin typeface="Courier New" pitchFamily="49" charset="0"/>
+                <a:cs typeface="Courier New" pitchFamily="49" charset="0"/>
+              </a:rPr>
+              <a:t>", &amp;x, &amp;y);</a:t>
+            </a:r>
+            <a:endParaRPr lang="en-US" dirty="0"/>
           </a:p>
           <a:p>
             <a:pPr lvl="2">
@@ -14043,28 +13908,28 @@
               <a:defRPr/>
             </a:pPr>
             <a:r>
-              <a:rPr lang="en-US" dirty="0" smtClean="0"/>
+              <a:rPr lang="en-US" dirty="0"/>
               <a:t>Input: </a:t>
             </a:r>
             <a:r>
-              <a:rPr lang="en-US" dirty="0" smtClean="0">
+              <a:rPr lang="en-US" dirty="0">
                 <a:latin typeface="Courier New" pitchFamily="49" charset="0"/>
                 <a:cs typeface="Courier New" pitchFamily="49" charset="0"/>
               </a:rPr>
               <a:t>3 7</a:t>
             </a:r>
             <a:r>
-              <a:rPr lang="en-US" dirty="0" smtClean="0"/>
+              <a:rPr lang="en-US" dirty="0"/>
               <a:t> 	</a:t>
             </a:r>
             <a:r>
-              <a:rPr lang="en-US" dirty="0" smtClean="0">
+              <a:rPr lang="en-US" dirty="0">
                 <a:sym typeface="Wingdings" pitchFamily="2" charset="2"/>
               </a:rPr>
               <a:t> </a:t>
             </a:r>
             <a:r>
-              <a:rPr lang="en-US" dirty="0" smtClean="0">
+              <a:rPr lang="en-US" dirty="0">
                 <a:latin typeface="Courier New" pitchFamily="49" charset="0"/>
                 <a:cs typeface="Courier New" pitchFamily="49" charset="0"/>
                 <a:sym typeface="Wingdings" pitchFamily="2" charset="2"/>
@@ -14072,13 +13937,13 @@
               <a:t>x = 3</a:t>
             </a:r>
             <a:r>
-              <a:rPr lang="en-US" dirty="0" smtClean="0">
+              <a:rPr lang="en-US" dirty="0">
                 <a:sym typeface="Wingdings" pitchFamily="2" charset="2"/>
               </a:rPr>
               <a:t>, </a:t>
             </a:r>
             <a:r>
-              <a:rPr lang="en-US" dirty="0" smtClean="0">
+              <a:rPr lang="en-US" dirty="0">
                 <a:latin typeface="Courier New" pitchFamily="49" charset="0"/>
                 <a:cs typeface="Courier New" pitchFamily="49" charset="0"/>
                 <a:sym typeface="Wingdings" pitchFamily="2" charset="2"/>
@@ -14086,13 +13951,13 @@
               <a:t>y = 7</a:t>
             </a:r>
             <a:r>
-              <a:rPr lang="en-US" dirty="0" smtClean="0">
+              <a:rPr lang="en-US" dirty="0">
                 <a:sym typeface="Wingdings" pitchFamily="2" charset="2"/>
               </a:rPr>
               <a:t>, return value = </a:t>
             </a:r>
             <a:r>
-              <a:rPr lang="en-US" dirty="0" smtClean="0">
+              <a:rPr lang="en-US" dirty="0">
                 <a:latin typeface="Courier New" pitchFamily="49" charset="0"/>
                 <a:cs typeface="Courier New" pitchFamily="49" charset="0"/>
                 <a:sym typeface="Wingdings" pitchFamily="2" charset="2"/>
@@ -14115,21 +13980,14 @@
                 <a:latin typeface="Courier New" pitchFamily="49" charset="0"/>
                 <a:cs typeface="Courier New" pitchFamily="49" charset="0"/>
               </a:rPr>
-              <a:t>3 </a:t>
-            </a:r>
-            <a:r>
-              <a:rPr lang="en-US" dirty="0" smtClean="0">
-                <a:latin typeface="Courier New" pitchFamily="49" charset="0"/>
-                <a:cs typeface="Courier New" pitchFamily="49" charset="0"/>
-              </a:rPr>
-              <a:t>7.2</a:t>
-            </a:r>
-            <a:r>
-              <a:rPr lang="en-US" dirty="0" smtClean="0"/>
+              <a:t>3 7.2</a:t>
+            </a:r>
+            <a:r>
+              <a:rPr lang="en-US" dirty="0"/>
               <a:t> 	</a:t>
             </a:r>
             <a:r>
-              <a:rPr lang="en-US" dirty="0" smtClean="0">
+              <a:rPr lang="en-US" dirty="0">
                 <a:sym typeface="Wingdings" pitchFamily="2" charset="2"/>
               </a:rPr>
               <a:t> </a:t>
@@ -14186,21 +14044,14 @@
                 <a:latin typeface="Courier New" pitchFamily="49" charset="0"/>
                 <a:cs typeface="Courier New" pitchFamily="49" charset="0"/>
               </a:rPr>
-              <a:t>3 </a:t>
-            </a:r>
-            <a:r>
-              <a:rPr lang="en-US" dirty="0" smtClean="0">
-                <a:latin typeface="Courier New" pitchFamily="49" charset="0"/>
-                <a:cs typeface="Courier New" pitchFamily="49" charset="0"/>
-              </a:rPr>
-              <a:t>.3</a:t>
-            </a:r>
-            <a:r>
-              <a:rPr lang="en-US" dirty="0" smtClean="0"/>
+              <a:t>3 .3</a:t>
+            </a:r>
+            <a:r>
+              <a:rPr lang="en-US" dirty="0"/>
               <a:t> 	</a:t>
             </a:r>
             <a:r>
-              <a:rPr lang="en-US" dirty="0" smtClean="0">
+              <a:rPr lang="en-US" dirty="0">
                 <a:sym typeface="Wingdings" pitchFamily="2" charset="2"/>
               </a:rPr>
               <a:t> </a:t>
@@ -14225,30 +14076,16 @@
                 <a:cs typeface="Courier New" pitchFamily="49" charset="0"/>
                 <a:sym typeface="Wingdings" pitchFamily="2" charset="2"/>
               </a:rPr>
-              <a:t>y = </a:t>
-            </a:r>
-            <a:r>
-              <a:rPr lang="en-US" dirty="0" smtClean="0">
-                <a:latin typeface="Courier New" pitchFamily="49" charset="0"/>
-                <a:cs typeface="Courier New" pitchFamily="49" charset="0"/>
-                <a:sym typeface="Wingdings" pitchFamily="2" charset="2"/>
-              </a:rPr>
-              <a:t>?</a:t>
-            </a:r>
-            <a:r>
-              <a:rPr lang="en-US" dirty="0" smtClean="0">
-                <a:sym typeface="Wingdings" pitchFamily="2" charset="2"/>
-              </a:rPr>
-              <a:t>, </a:t>
+              <a:t>y = ?</a:t>
             </a:r>
             <a:r>
               <a:rPr lang="en-US" dirty="0">
                 <a:sym typeface="Wingdings" pitchFamily="2" charset="2"/>
               </a:rPr>
-              <a:t>return value = </a:t>
-            </a:r>
-            <a:r>
-              <a:rPr lang="en-US" dirty="0" smtClean="0">
+              <a:t>, return value = </a:t>
+            </a:r>
+            <a:r>
+              <a:rPr lang="en-US" dirty="0">
                 <a:latin typeface="Courier New" pitchFamily="49" charset="0"/>
                 <a:cs typeface="Courier New" pitchFamily="49" charset="0"/>
                 <a:sym typeface="Wingdings" pitchFamily="2" charset="2"/>
@@ -14263,7 +14100,7 @@
               <a:defRPr/>
             </a:pPr>
             <a:r>
-              <a:rPr lang="en-US" dirty="0" smtClean="0">
+              <a:rPr lang="en-US" dirty="0">
                 <a:latin typeface="Courier New" pitchFamily="49" charset="0"/>
                 <a:cs typeface="Courier New" pitchFamily="49" charset="0"/>
                 <a:sym typeface="Wingdings" pitchFamily="2" charset="2"/>
@@ -14271,7 +14108,7 @@
               <a:t>y </a:t>
             </a:r>
             <a:r>
-              <a:rPr lang="en-US" dirty="0" smtClean="0">
+              <a:rPr lang="en-US" dirty="0">
                 <a:cs typeface="Courier New" pitchFamily="49" charset="0"/>
                 <a:sym typeface="Wingdings" pitchFamily="2" charset="2"/>
               </a:rPr>
@@ -14294,18 +14131,18 @@
               <a:t>Input: </a:t>
             </a:r>
             <a:r>
-              <a:rPr lang="en-US" dirty="0" smtClean="0">
+              <a:rPr lang="en-US" dirty="0">
                 <a:latin typeface="Courier New" pitchFamily="49" charset="0"/>
                 <a:cs typeface="Courier New" pitchFamily="49" charset="0"/>
               </a:rPr>
               <a:t>x1 7</a:t>
             </a:r>
             <a:r>
-              <a:rPr lang="en-US" dirty="0" smtClean="0"/>
+              <a:rPr lang="en-US" dirty="0"/>
               <a:t> 	</a:t>
             </a:r>
             <a:r>
-              <a:rPr lang="en-US" dirty="0" smtClean="0">
+              <a:rPr lang="en-US" dirty="0">
                 <a:sym typeface="Wingdings" pitchFamily="2" charset="2"/>
               </a:rPr>
               <a:t> </a:t>
@@ -14316,18 +14153,10 @@
                 <a:cs typeface="Courier New" pitchFamily="49" charset="0"/>
                 <a:sym typeface="Wingdings" pitchFamily="2" charset="2"/>
               </a:rPr>
-              <a:t>x = </a:t>
-            </a:r>
-            <a:r>
-              <a:rPr lang="en-US" dirty="0" smtClean="0">
-                <a:latin typeface="Courier New" pitchFamily="49" charset="0"/>
-                <a:cs typeface="Courier New" pitchFamily="49" charset="0"/>
-                <a:sym typeface="Wingdings" pitchFamily="2" charset="2"/>
-              </a:rPr>
-              <a:t>?</a:t>
-            </a:r>
-            <a:r>
-              <a:rPr lang="en-US" dirty="0" smtClean="0">
+              <a:t>x = ?</a:t>
+            </a:r>
+            <a:r>
+              <a:rPr lang="en-US" dirty="0">
                 <a:sym typeface="Wingdings" pitchFamily="2" charset="2"/>
               </a:rPr>
               <a:t>, </a:t>
@@ -14338,30 +14167,16 @@
                 <a:cs typeface="Courier New" pitchFamily="49" charset="0"/>
                 <a:sym typeface="Wingdings" pitchFamily="2" charset="2"/>
               </a:rPr>
-              <a:t>y = </a:t>
-            </a:r>
-            <a:r>
-              <a:rPr lang="en-US" dirty="0" smtClean="0">
-                <a:latin typeface="Courier New" pitchFamily="49" charset="0"/>
-                <a:cs typeface="Courier New" pitchFamily="49" charset="0"/>
-                <a:sym typeface="Wingdings" pitchFamily="2" charset="2"/>
-              </a:rPr>
-              <a:t>?</a:t>
-            </a:r>
-            <a:r>
-              <a:rPr lang="en-US" dirty="0" smtClean="0">
-                <a:sym typeface="Wingdings" pitchFamily="2" charset="2"/>
-              </a:rPr>
-              <a:t>, </a:t>
+              <a:t>y = ?</a:t>
             </a:r>
             <a:r>
               <a:rPr lang="en-US" dirty="0">
                 <a:sym typeface="Wingdings" pitchFamily="2" charset="2"/>
               </a:rPr>
-              <a:t>return value = </a:t>
-            </a:r>
-            <a:r>
-              <a:rPr lang="en-US" dirty="0" smtClean="0">
+              <a:t>, return value = </a:t>
+            </a:r>
+            <a:r>
+              <a:rPr lang="en-US" dirty="0">
                 <a:latin typeface="Courier New" pitchFamily="49" charset="0"/>
                 <a:cs typeface="Courier New" pitchFamily="49" charset="0"/>
                 <a:sym typeface="Wingdings" pitchFamily="2" charset="2"/>
@@ -14376,7 +14191,7 @@
               <a:defRPr/>
             </a:pPr>
             <a:r>
-              <a:rPr lang="en-US" dirty="0" smtClean="0">
+              <a:rPr lang="en-US" dirty="0">
                 <a:latin typeface="Courier New" pitchFamily="49" charset="0"/>
                 <a:cs typeface="Courier New" pitchFamily="49" charset="0"/>
                 <a:sym typeface="Wingdings" pitchFamily="2" charset="2"/>
@@ -14384,7 +14199,7 @@
               <a:t>x, y</a:t>
             </a:r>
             <a:r>
-              <a:rPr lang="en-US" dirty="0" smtClean="0">
+              <a:rPr lang="en-US" dirty="0">
                 <a:cs typeface="Courier New" pitchFamily="49" charset="0"/>
                 <a:sym typeface="Wingdings" pitchFamily="2" charset="2"/>
               </a:rPr>
@@ -14403,7 +14218,7 @@
               <a:defRPr/>
             </a:pPr>
             <a:r>
-              <a:rPr lang="en-US" dirty="0" smtClean="0">
+              <a:rPr lang="en-US" dirty="0">
                 <a:ea typeface="+mn-ea"/>
                 <a:cs typeface="Courier New" pitchFamily="49" charset="0"/>
                 <a:sym typeface="Wingdings" pitchFamily="2" charset="2"/>
@@ -14418,7 +14233,7 @@
               <a:defRPr/>
             </a:pPr>
             <a:r>
-              <a:rPr lang="en-US" dirty="0" smtClean="0">
+              <a:rPr lang="en-US" dirty="0">
                 <a:cs typeface="Courier New" pitchFamily="49" charset="0"/>
                 <a:sym typeface="Wingdings" pitchFamily="2" charset="2"/>
               </a:rPr>
@@ -14432,7 +14247,7 @@
               <a:defRPr/>
             </a:pPr>
             <a:r>
-              <a:rPr lang="en-US" b="1" dirty="0" err="1" smtClean="0">
+              <a:rPr lang="en-US" b="1" dirty="0" err="1">
                 <a:solidFill>
                   <a:srgbClr val="FF0000"/>
                 </a:solidFill>
@@ -14443,7 +14258,7 @@
               <a:t>int</a:t>
             </a:r>
             <a:r>
-              <a:rPr lang="en-US" b="1" dirty="0" smtClean="0">
+              <a:rPr lang="en-US" b="1" dirty="0">
                 <a:solidFill>
                   <a:srgbClr val="FF0000"/>
                 </a:solidFill>
@@ -14454,7 +14269,7 @@
               <a:t> </a:t>
             </a:r>
             <a:r>
-              <a:rPr lang="en-US" b="1" dirty="0" err="1" smtClean="0">
+              <a:rPr lang="en-US" b="1" dirty="0" err="1">
                 <a:solidFill>
                   <a:srgbClr val="FF0000"/>
                 </a:solidFill>
@@ -14465,7 +14280,7 @@
               <a:t>numRead</a:t>
             </a:r>
             <a:r>
-              <a:rPr lang="en-US" b="1" dirty="0" smtClean="0">
+              <a:rPr lang="en-US" b="1" dirty="0">
                 <a:solidFill>
                   <a:srgbClr val="FF0000"/>
                 </a:solidFill>
@@ -14483,7 +14298,7 @@
               <a:defRPr/>
             </a:pPr>
             <a:r>
-              <a:rPr lang="en-US" b="1" dirty="0" err="1" smtClean="0">
+              <a:rPr lang="en-US" b="1" dirty="0" err="1">
                 <a:solidFill>
                   <a:srgbClr val="FF0000"/>
                 </a:solidFill>
@@ -14494,7 +14309,7 @@
               <a:t>numRead</a:t>
             </a:r>
             <a:r>
-              <a:rPr lang="en-US" b="1" dirty="0" smtClean="0">
+              <a:rPr lang="en-US" b="1" dirty="0">
                 <a:solidFill>
                   <a:srgbClr val="FF0000"/>
                 </a:solidFill>
@@ -14505,7 +14320,7 @@
               <a:t> = </a:t>
             </a:r>
             <a:r>
-              <a:rPr lang="en-US" b="1" dirty="0" err="1" smtClean="0">
+              <a:rPr lang="en-US" b="1" dirty="0" err="1">
                 <a:solidFill>
                   <a:srgbClr val="FF0000"/>
                 </a:solidFill>
@@ -14516,7 +14331,7 @@
               <a:t>scanf</a:t>
             </a:r>
             <a:r>
-              <a:rPr lang="en-US" b="1" dirty="0" smtClean="0">
+              <a:rPr lang="en-US" b="1" dirty="0">
                 <a:solidFill>
                   <a:srgbClr val="FF0000"/>
                 </a:solidFill>
@@ -14527,7 +14342,7 @@
               <a:t>("%</a:t>
             </a:r>
             <a:r>
-              <a:rPr lang="en-US" b="1" dirty="0" err="1" smtClean="0">
+              <a:rPr lang="en-US" b="1" dirty="0" err="1">
                 <a:solidFill>
                   <a:srgbClr val="FF0000"/>
                 </a:solidFill>
@@ -14538,7 +14353,7 @@
               <a:t>d%d</a:t>
             </a:r>
             <a:r>
-              <a:rPr lang="en-US" b="1" dirty="0" smtClean="0">
+              <a:rPr lang="en-US" b="1" dirty="0">
                 <a:solidFill>
                   <a:srgbClr val="FF0000"/>
                 </a:solidFill>
@@ -14686,7 +14501,7 @@
               <a:rPr lang="en-US" smtClean="0">
                 <a:latin typeface="Garamond" charset="0"/>
               </a:rPr>
-              <a:t>2/2/19</a:t>
+              <a:t>2/4/2019</a:t>
             </a:fld>
             <a:endParaRPr lang="en-US">
               <a:latin typeface="Garamond" charset="0"/>
@@ -14713,10 +14528,9 @@
               <a:defRPr/>
             </a:pPr>
             <a:r>
-              <a:rPr lang="en-US" altLang="en-US" smtClean="0"/>
+              <a:rPr lang="en-US" altLang="en-US"/>
               <a:t>ECE Application Programming: Lecture 6</a:t>
             </a:r>
-            <a:endParaRPr lang="en-US" altLang="en-US"/>
           </a:p>
         </p:txBody>
       </p:sp>
@@ -14874,13 +14688,6 @@
   <p:clrMapOvr>
     <a:masterClrMapping/>
   </p:clrMapOvr>
-  <p:timing>
-    <p:tnLst>
-      <p:par>
-        <p:cTn id="1" dur="indefinite" restart="never" nodeType="tmRoot"/>
-      </p:par>
-    </p:tnLst>
-  </p:timing>
 </p:sld>
 </file>
 
@@ -15305,7 +15112,7 @@
               <a:rPr lang="en-US" smtClean="0">
                 <a:latin typeface="Garamond" charset="0"/>
               </a:rPr>
-              <a:t>2/2/19</a:t>
+              <a:t>2/4/2019</a:t>
             </a:fld>
             <a:endParaRPr lang="en-US">
               <a:latin typeface="Garamond" charset="0"/>
@@ -15332,10 +15139,9 @@
               <a:defRPr/>
             </a:pPr>
             <a:r>
-              <a:rPr lang="en-US" altLang="en-US" smtClean="0"/>
+              <a:rPr lang="en-US" altLang="en-US"/>
               <a:t>ECE Application Programming: Lecture 6</a:t>
             </a:r>
-            <a:endParaRPr lang="en-US" altLang="en-US"/>
           </a:p>
         </p:txBody>
       </p:sp>
@@ -15493,13 +15299,6 @@
   <p:clrMapOvr>
     <a:masterClrMapping/>
   </p:clrMapOvr>
-  <p:timing>
-    <p:tnLst>
-      <p:par>
-        <p:cTn id="1" dur="indefinite" restart="never" nodeType="tmRoot"/>
-      </p:par>
-    </p:tnLst>
-  </p:timing>
 </p:sld>
 </file>
 
@@ -15567,14 +15366,14 @@
               <a:defRPr/>
             </a:pPr>
             <a:r>
-              <a:rPr lang="en-US" dirty="0" smtClean="0">
+              <a:rPr lang="en-US" dirty="0">
                 <a:ea typeface="+mn-ea"/>
                 <a:cs typeface="Courier New" pitchFamily="49" charset="0"/>
               </a:rPr>
               <a:t>What values are read for each of the following inputs and </a:t>
             </a:r>
             <a:r>
-              <a:rPr lang="en-US" dirty="0" err="1" smtClean="0">
+              <a:rPr lang="en-US" dirty="0" err="1">
                 <a:latin typeface="Courier New" pitchFamily="49" charset="0"/>
                 <a:ea typeface="+mn-ea"/>
                 <a:cs typeface="Courier New" pitchFamily="49" charset="0"/>
@@ -15582,7 +15381,7 @@
               <a:t>scanf</a:t>
             </a:r>
             <a:r>
-              <a:rPr lang="en-US" dirty="0" smtClean="0">
+              <a:rPr lang="en-US" dirty="0">
                 <a:latin typeface="Courier New" pitchFamily="49" charset="0"/>
                 <a:ea typeface="+mn-ea"/>
                 <a:cs typeface="Courier New" pitchFamily="49" charset="0"/>
@@ -15590,7 +15389,7 @@
               <a:t>()</a:t>
             </a:r>
             <a:r>
-              <a:rPr lang="en-US" dirty="0" smtClean="0">
+              <a:rPr lang="en-US" dirty="0">
                 <a:ea typeface="+mn-ea"/>
                 <a:cs typeface="Courier New" pitchFamily="49" charset="0"/>
               </a:rPr>
@@ -15604,35 +15403,21 @@
               <a:defRPr/>
             </a:pPr>
             <a:r>
-              <a:rPr lang="en-US" dirty="0" err="1" smtClean="0">
+              <a:rPr lang="en-US" dirty="0" err="1">
                 <a:latin typeface="Courier New" pitchFamily="49" charset="0"/>
                 <a:cs typeface="Courier New" pitchFamily="49" charset="0"/>
               </a:rPr>
               <a:t>scanf</a:t>
-            </a:r>
-            <a:r>
-              <a:rPr lang="en-US" dirty="0" smtClean="0">
-                <a:latin typeface="Courier New" pitchFamily="49" charset="0"/>
-                <a:cs typeface="Courier New" pitchFamily="49" charset="0"/>
-              </a:rPr>
-              <a:t>(</a:t>
             </a:r>
             <a:r>
               <a:rPr lang="en-US" dirty="0">
                 <a:latin typeface="Courier New" pitchFamily="49" charset="0"/>
                 <a:cs typeface="Courier New" pitchFamily="49" charset="0"/>
               </a:rPr>
-              <a:t>"</a:t>
-            </a:r>
-            <a:r>
-              <a:rPr lang="en-US" dirty="0" smtClean="0">
-                <a:latin typeface="Courier New" pitchFamily="49" charset="0"/>
-                <a:cs typeface="Courier New" pitchFamily="49" charset="0"/>
-              </a:rPr>
-              <a:t>%</a:t>
-            </a:r>
-            <a:r>
-              <a:rPr lang="en-US" dirty="0" err="1" smtClean="0">
+              <a:t>("%</a:t>
+            </a:r>
+            <a:r>
+              <a:rPr lang="en-US" dirty="0" err="1">
                 <a:latin typeface="Courier New" pitchFamily="49" charset="0"/>
                 <a:cs typeface="Courier New" pitchFamily="49" charset="0"/>
               </a:rPr>
@@ -15643,14 +15428,7 @@
                 <a:latin typeface="Courier New" pitchFamily="49" charset="0"/>
                 <a:cs typeface="Courier New" pitchFamily="49" charset="0"/>
               </a:rPr>
-              <a:t>"</a:t>
-            </a:r>
-            <a:r>
-              <a:rPr lang="en-US" dirty="0" smtClean="0">
-                <a:latin typeface="Courier New" pitchFamily="49" charset="0"/>
-                <a:cs typeface="Courier New" pitchFamily="49" charset="0"/>
-              </a:rPr>
-              <a:t>, &amp;i, &amp;d) </a:t>
+              <a:t>", &amp;i, &amp;d) </a:t>
             </a:r>
           </a:p>
           <a:p>
@@ -15665,15 +15443,7 @@
                 <a:cs typeface="Courier New" pitchFamily="49" charset="0"/>
                 <a:sym typeface="Wingdings" pitchFamily="2" charset="2"/>
               </a:rPr>
-              <a:t>	</a:t>
-            </a:r>
-            <a:r>
-              <a:rPr lang="en-US" dirty="0" smtClean="0">
-                <a:latin typeface="Courier New" pitchFamily="49" charset="0"/>
-                <a:cs typeface="Courier New" pitchFamily="49" charset="0"/>
-                <a:sym typeface="Wingdings" pitchFamily="2" charset="2"/>
-              </a:rPr>
-              <a:t> i = 34, d = 5.7</a:t>
+              <a:t>	 i = 34, d = 5.7</a:t>
             </a:r>
           </a:p>
           <a:p>
@@ -15683,7 +15453,7 @@
               <a:defRPr/>
             </a:pPr>
             <a:r>
-              <a:rPr lang="en-US" dirty="0" err="1" smtClean="0">
+              <a:rPr lang="en-US" dirty="0" err="1">
                 <a:latin typeface="Courier New" pitchFamily="49" charset="0"/>
                 <a:cs typeface="Courier New" pitchFamily="49" charset="0"/>
                 <a:sym typeface="Wingdings" pitchFamily="2" charset="2"/>
@@ -15691,7 +15461,7 @@
               <a:t>scanf</a:t>
             </a:r>
             <a:r>
-              <a:rPr lang="en-US" dirty="0" smtClean="0">
+              <a:rPr lang="en-US" dirty="0">
                 <a:latin typeface="Courier New" pitchFamily="49" charset="0"/>
                 <a:cs typeface="Courier New" pitchFamily="49" charset="0"/>
                 <a:sym typeface="Wingdings" pitchFamily="2" charset="2"/>
@@ -15706,7 +15476,7 @@
               <a:t>"</a:t>
             </a:r>
             <a:r>
-              <a:rPr lang="en-US" dirty="0" smtClean="0">
+              <a:rPr lang="en-US" dirty="0">
                 <a:latin typeface="Courier New" pitchFamily="49" charset="0"/>
                 <a:cs typeface="Courier New" pitchFamily="49" charset="0"/>
                 <a:sym typeface="Wingdings" pitchFamily="2" charset="2"/>
@@ -15721,7 +15491,7 @@
               <a:t>"</a:t>
             </a:r>
             <a:r>
-              <a:rPr lang="en-US" dirty="0" smtClean="0">
+              <a:rPr lang="en-US" dirty="0">
                 <a:latin typeface="Courier New" pitchFamily="49" charset="0"/>
                 <a:cs typeface="Courier New" pitchFamily="49" charset="0"/>
                 <a:sym typeface="Wingdings" pitchFamily="2" charset="2"/>
@@ -15741,15 +15511,7 @@
                 <a:cs typeface="Courier New" pitchFamily="49" charset="0"/>
                 <a:sym typeface="Wingdings" pitchFamily="2" charset="2"/>
               </a:rPr>
-              <a:t>	</a:t>
-            </a:r>
-            <a:r>
-              <a:rPr lang="en-US" dirty="0" smtClean="0">
-                <a:latin typeface="Courier New" pitchFamily="49" charset="0"/>
-                <a:cs typeface="Courier New" pitchFamily="49" charset="0"/>
-                <a:sym typeface="Wingdings" pitchFamily="2" charset="2"/>
-              </a:rPr>
-              <a:t> i = 34, d = 5.7</a:t>
+              <a:t>	 i = 34, d = 5.7</a:t>
             </a:r>
           </a:p>
           <a:p>
@@ -15759,7 +15521,7 @@
               <a:defRPr/>
             </a:pPr>
             <a:r>
-              <a:rPr lang="en-US" dirty="0" err="1" smtClean="0">
+              <a:rPr lang="en-US" dirty="0" err="1">
                 <a:latin typeface="Courier New" pitchFamily="49" charset="0"/>
                 <a:cs typeface="Courier New" pitchFamily="49" charset="0"/>
                 <a:sym typeface="Wingdings" pitchFamily="2" charset="2"/>
@@ -15767,7 +15529,7 @@
               <a:t>scanf</a:t>
             </a:r>
             <a:r>
-              <a:rPr lang="en-US" dirty="0" smtClean="0">
+              <a:rPr lang="en-US" dirty="0">
                 <a:latin typeface="Courier New" pitchFamily="49" charset="0"/>
                 <a:cs typeface="Courier New" pitchFamily="49" charset="0"/>
                 <a:sym typeface="Wingdings" pitchFamily="2" charset="2"/>
@@ -15782,7 +15544,7 @@
               <a:t>"</a:t>
             </a:r>
             <a:r>
-              <a:rPr lang="en-US" dirty="0" smtClean="0">
+              <a:rPr lang="en-US" dirty="0">
                 <a:latin typeface="Courier New" pitchFamily="49" charset="0"/>
                 <a:cs typeface="Courier New" pitchFamily="49" charset="0"/>
                 <a:sym typeface="Wingdings" pitchFamily="2" charset="2"/>
@@ -15790,7 +15552,7 @@
               <a:t>%</a:t>
             </a:r>
             <a:r>
-              <a:rPr lang="en-US" dirty="0" err="1" smtClean="0">
+              <a:rPr lang="en-US" dirty="0" err="1">
                 <a:latin typeface="Courier New" pitchFamily="49" charset="0"/>
                 <a:cs typeface="Courier New" pitchFamily="49" charset="0"/>
                 <a:sym typeface="Wingdings" pitchFamily="2" charset="2"/>
@@ -15805,7 +15567,7 @@
               <a:t>"</a:t>
             </a:r>
             <a:r>
-              <a:rPr lang="en-US" dirty="0" smtClean="0">
+              <a:rPr lang="en-US" dirty="0">
                 <a:latin typeface="Courier New" pitchFamily="49" charset="0"/>
                 <a:cs typeface="Courier New" pitchFamily="49" charset="0"/>
                 <a:sym typeface="Wingdings" pitchFamily="2" charset="2"/>
@@ -15825,15 +15587,7 @@
                 <a:cs typeface="Courier New" pitchFamily="49" charset="0"/>
                 <a:sym typeface="Wingdings" pitchFamily="2" charset="2"/>
               </a:rPr>
-              <a:t>	</a:t>
-            </a:r>
-            <a:r>
-              <a:rPr lang="en-US" dirty="0" smtClean="0">
-                <a:latin typeface="Courier New" pitchFamily="49" charset="0"/>
-                <a:cs typeface="Courier New" pitchFamily="49" charset="0"/>
-                <a:sym typeface="Wingdings" pitchFamily="2" charset="2"/>
-              </a:rPr>
-              <a:t> d = 34, i = 5</a:t>
+              <a:t>	 d = 34, i = 5</a:t>
             </a:r>
           </a:p>
           <a:p>
@@ -15843,7 +15597,7 @@
               <a:defRPr/>
             </a:pPr>
             <a:r>
-              <a:rPr lang="en-US" dirty="0" err="1" smtClean="0">
+              <a:rPr lang="en-US" dirty="0" err="1">
                 <a:latin typeface="Courier New" pitchFamily="49" charset="0"/>
                 <a:cs typeface="Courier New" pitchFamily="49" charset="0"/>
                 <a:sym typeface="Wingdings" pitchFamily="2" charset="2"/>
@@ -15851,7 +15605,7 @@
               <a:t>scanf</a:t>
             </a:r>
             <a:r>
-              <a:rPr lang="en-US" dirty="0" smtClean="0">
+              <a:rPr lang="en-US" dirty="0">
                 <a:latin typeface="Courier New" pitchFamily="49" charset="0"/>
                 <a:cs typeface="Courier New" pitchFamily="49" charset="0"/>
                 <a:sym typeface="Wingdings" pitchFamily="2" charset="2"/>
@@ -15866,7 +15620,7 @@
               <a:t>"</a:t>
             </a:r>
             <a:r>
-              <a:rPr lang="en-US" dirty="0" smtClean="0">
+              <a:rPr lang="en-US" dirty="0">
                 <a:latin typeface="Courier New" pitchFamily="49" charset="0"/>
                 <a:cs typeface="Courier New" pitchFamily="49" charset="0"/>
                 <a:sym typeface="Wingdings" pitchFamily="2" charset="2"/>
@@ -15874,7 +15628,7 @@
               <a:t>%</a:t>
             </a:r>
             <a:r>
-              <a:rPr lang="en-US" dirty="0" err="1" smtClean="0">
+              <a:rPr lang="en-US" dirty="0" err="1">
                 <a:latin typeface="Courier New" pitchFamily="49" charset="0"/>
                 <a:cs typeface="Courier New" pitchFamily="49" charset="0"/>
                 <a:sym typeface="Wingdings" pitchFamily="2" charset="2"/>
@@ -15889,7 +15643,7 @@
               <a:t>"</a:t>
             </a:r>
             <a:r>
-              <a:rPr lang="en-US" dirty="0" smtClean="0">
+              <a:rPr lang="en-US" dirty="0">
                 <a:latin typeface="Courier New" pitchFamily="49" charset="0"/>
                 <a:cs typeface="Courier New" pitchFamily="49" charset="0"/>
                 <a:sym typeface="Wingdings" pitchFamily="2" charset="2"/>
@@ -15909,18 +15663,10 @@
                 <a:cs typeface="Courier New" pitchFamily="49" charset="0"/>
                 <a:sym typeface="Wingdings" pitchFamily="2" charset="2"/>
               </a:rPr>
-              <a:t>	</a:t>
-            </a:r>
-            <a:r>
-              <a:rPr lang="en-US" dirty="0" smtClean="0">
-                <a:latin typeface="Courier New" pitchFamily="49" charset="0"/>
-                <a:cs typeface="Courier New" pitchFamily="49" charset="0"/>
-                <a:sym typeface="Wingdings" pitchFamily="2" charset="2"/>
-              </a:rPr>
-              <a:t> i = 34, c = ' ' </a:t>
-            </a:r>
-            <a:r>
-              <a:rPr lang="en-US" dirty="0" smtClean="0">
+              <a:t>	 i = 34, c = ' ' </a:t>
+            </a:r>
+            <a:r>
+              <a:rPr lang="en-US" dirty="0">
                 <a:cs typeface="Courier New" pitchFamily="49" charset="0"/>
                 <a:sym typeface="Wingdings" pitchFamily="2" charset="2"/>
               </a:rPr>
@@ -15934,7 +15680,7 @@
               <a:defRPr/>
             </a:pPr>
             <a:r>
-              <a:rPr lang="en-US" dirty="0" err="1" smtClean="0">
+              <a:rPr lang="en-US" dirty="0" err="1">
                 <a:latin typeface="Courier New" pitchFamily="49" charset="0"/>
                 <a:cs typeface="Courier New" pitchFamily="49" charset="0"/>
                 <a:sym typeface="Wingdings" pitchFamily="2" charset="2"/>
@@ -15942,7 +15688,7 @@
               <a:t>scanf</a:t>
             </a:r>
             <a:r>
-              <a:rPr lang="en-US" dirty="0" smtClean="0">
+              <a:rPr lang="en-US" dirty="0">
                 <a:latin typeface="Courier New" pitchFamily="49" charset="0"/>
                 <a:cs typeface="Courier New" pitchFamily="49" charset="0"/>
                 <a:sym typeface="Wingdings" pitchFamily="2" charset="2"/>
@@ -15957,7 +15703,7 @@
               <a:t>"</a:t>
             </a:r>
             <a:r>
-              <a:rPr lang="en-US" dirty="0" smtClean="0">
+              <a:rPr lang="en-US" dirty="0">
                 <a:latin typeface="Courier New" pitchFamily="49" charset="0"/>
                 <a:cs typeface="Courier New" pitchFamily="49" charset="0"/>
                 <a:sym typeface="Wingdings" pitchFamily="2" charset="2"/>
@@ -15972,7 +15718,7 @@
               <a:t>"</a:t>
             </a:r>
             <a:r>
-              <a:rPr lang="en-US" dirty="0" smtClean="0">
+              <a:rPr lang="en-US" dirty="0">
                 <a:latin typeface="Courier New" pitchFamily="49" charset="0"/>
                 <a:cs typeface="Courier New" pitchFamily="49" charset="0"/>
                 <a:sym typeface="Wingdings" pitchFamily="2" charset="2"/>
@@ -15992,25 +15738,17 @@
                 <a:cs typeface="Courier New" pitchFamily="49" charset="0"/>
                 <a:sym typeface="Wingdings" pitchFamily="2" charset="2"/>
               </a:rPr>
-              <a:t>	</a:t>
-            </a:r>
-            <a:r>
-              <a:rPr lang="en-US" dirty="0" smtClean="0">
+              <a:t>	 i = 34, c </a:t>
+            </a:r>
+            <a:r>
+              <a:rPr lang="en-US">
                 <a:latin typeface="Courier New" pitchFamily="49" charset="0"/>
                 <a:cs typeface="Courier New" pitchFamily="49" charset="0"/>
                 <a:sym typeface="Wingdings" pitchFamily="2" charset="2"/>
               </a:rPr>
-              <a:t> i = 34, c </a:t>
-            </a:r>
-            <a:r>
-              <a:rPr lang="en-US" smtClean="0">
-                <a:latin typeface="Courier New" pitchFamily="49" charset="0"/>
-                <a:cs typeface="Courier New" pitchFamily="49" charset="0"/>
-                <a:sym typeface="Wingdings" pitchFamily="2" charset="2"/>
-              </a:rPr>
               <a:t>= '5'</a:t>
             </a:r>
-            <a:endParaRPr lang="en-US" dirty="0" smtClean="0">
+            <a:endParaRPr lang="en-US" dirty="0">
               <a:latin typeface="Courier New" pitchFamily="49" charset="0"/>
               <a:cs typeface="Courier New" pitchFamily="49" charset="0"/>
               <a:sym typeface="Wingdings" pitchFamily="2" charset="2"/>
@@ -16153,7 +15891,7 @@
               <a:rPr lang="en-US" smtClean="0">
                 <a:latin typeface="Garamond" charset="0"/>
               </a:rPr>
-              <a:t>2/2/19</a:t>
+              <a:t>2/4/2019</a:t>
             </a:fld>
             <a:endParaRPr lang="en-US">
               <a:latin typeface="Garamond" charset="0"/>
@@ -16180,10 +15918,9 @@
               <a:defRPr/>
             </a:pPr>
             <a:r>
-              <a:rPr lang="en-US" altLang="en-US" smtClean="0"/>
+              <a:rPr lang="en-US" altLang="en-US"/>
               <a:t>ECE Application Programming: Lecture 6</a:t>
             </a:r>
-            <a:endParaRPr lang="en-US" altLang="en-US"/>
           </a:p>
         </p:txBody>
       </p:sp>
@@ -16341,13 +16078,6 @@
   <p:clrMapOvr>
     <a:masterClrMapping/>
   </p:clrMapOvr>
-  <p:timing>
-    <p:tnLst>
-      <p:par>
-        <p:cTn id="1" dur="indefinite" restart="never" nodeType="tmRoot"/>
-      </p:par>
-    </p:tnLst>
-  </p:timing>
 </p:sld>
 </file>
 
@@ -17106,7 +16836,7 @@
               <a:rPr lang="en-US" smtClean="0">
                 <a:latin typeface="Garamond" charset="0"/>
               </a:rPr>
-              <a:t>2/2/19</a:t>
+              <a:t>2/4/2019</a:t>
             </a:fld>
             <a:endParaRPr lang="en-US">
               <a:latin typeface="Garamond" charset="0"/>
@@ -17133,10 +16863,9 @@
               <a:defRPr/>
             </a:pPr>
             <a:r>
-              <a:rPr lang="en-US" altLang="en-US" smtClean="0"/>
+              <a:rPr lang="en-US" altLang="en-US"/>
               <a:t>ECE Application Programming: Lecture 6</a:t>
             </a:r>
-            <a:endParaRPr lang="en-US" altLang="en-US"/>
           </a:p>
         </p:txBody>
       </p:sp>
@@ -17150,13 +16879,6 @@
   <p:clrMapOvr>
     <a:masterClrMapping/>
   </p:clrMapOvr>
-  <p:timing>
-    <p:tnLst>
-      <p:par>
-        <p:cTn id="1" dur="indefinite" restart="never" nodeType="tmRoot"/>
-      </p:par>
-    </p:tnLst>
-  </p:timing>
 </p:sld>
 </file>
 
@@ -17193,10 +16915,9 @@
           <a:lstStyle/>
           <a:p>
             <a:r>
-              <a:rPr lang="en-US" smtClean="0"/>
+              <a:rPr lang="en-US"/>
               <a:t>Lecture outline</a:t>
             </a:r>
-            <a:endParaRPr lang="en-US"/>
           </a:p>
         </p:txBody>
       </p:sp>
@@ -17223,91 +16944,75 @@
           <a:lstStyle/>
           <a:p>
             <a:r>
-              <a:rPr lang="en-US" dirty="0" smtClean="0"/>
+              <a:rPr lang="en-US" dirty="0"/>
               <a:t>Announcements/reminders</a:t>
             </a:r>
           </a:p>
           <a:p>
             <a:pPr lvl="1"/>
             <a:r>
-              <a:rPr lang="en-US" dirty="0" smtClean="0"/>
+              <a:rPr lang="en-US" dirty="0"/>
               <a:t>Textbook exercises due 3 days after each lecture</a:t>
             </a:r>
           </a:p>
           <a:p>
             <a:pPr lvl="1"/>
             <a:r>
-              <a:rPr lang="en-US" dirty="0" smtClean="0"/>
-              <a:t>Program </a:t>
-            </a:r>
-            <a:r>
               <a:rPr lang="en-US" dirty="0"/>
-              <a:t>2 </a:t>
-            </a:r>
-            <a:r>
-              <a:rPr lang="en-US" dirty="0" smtClean="0"/>
-              <a:t>due </a:t>
-            </a:r>
+              <a:t>Program 2 due Monday, 2/11</a:t>
+            </a:r>
+          </a:p>
+          <a:p>
+            <a:pPr lvl="1"/>
+            <a:endParaRPr lang="en-US" dirty="0"/>
+          </a:p>
+          <a:p>
             <a:r>
               <a:rPr lang="en-US" dirty="0"/>
-              <a:t>Friday, </a:t>
-            </a:r>
-            <a:r>
-              <a:rPr lang="en-US" dirty="0" smtClean="0"/>
-              <a:t>9/21</a:t>
+              <a:t>Today’s lecture</a:t>
             </a:r>
           </a:p>
           <a:p>
             <a:pPr lvl="1"/>
-            <a:endParaRPr lang="en-US" dirty="0" smtClean="0"/>
-          </a:p>
-          <a:p>
-            <a:r>
-              <a:rPr lang="en-US" dirty="0" smtClean="0"/>
-              <a:t>Today’s lecture</a:t>
+            <a:r>
+              <a:rPr lang="en-US" dirty="0"/>
+              <a:t>Program 2 overview</a:t>
             </a:r>
           </a:p>
           <a:p>
             <a:pPr lvl="1"/>
             <a:r>
-              <a:rPr lang="en-US" dirty="0" smtClean="0"/>
-              <a:t>Program 2 overview</a:t>
+              <a:rPr lang="en-US" dirty="0"/>
+              <a:t>Review: operators, </a:t>
+            </a:r>
+            <a:r>
+              <a:rPr lang="en-US" dirty="0" err="1"/>
+              <a:t>printf</a:t>
+            </a:r>
+            <a:r>
+              <a:rPr lang="en-US" dirty="0"/>
+              <a:t>() basics</a:t>
             </a:r>
           </a:p>
           <a:p>
             <a:pPr lvl="1"/>
             <a:r>
-              <a:rPr lang="en-US" dirty="0" smtClean="0"/>
-              <a:t>Review: operators, </a:t>
-            </a:r>
-            <a:r>
-              <a:rPr lang="en-US" dirty="0" err="1" smtClean="0"/>
+              <a:rPr lang="en-US" dirty="0" err="1"/>
               <a:t>printf</a:t>
             </a:r>
             <a:r>
-              <a:rPr lang="en-US" dirty="0" smtClean="0"/>
-              <a:t>() basics</a:t>
+              <a:rPr lang="en-US" dirty="0"/>
+              <a:t>() examples</a:t>
             </a:r>
           </a:p>
           <a:p>
             <a:pPr lvl="1"/>
             <a:r>
-              <a:rPr lang="en-US" dirty="0" err="1" smtClean="0"/>
-              <a:t>printf</a:t>
-            </a:r>
-            <a:r>
-              <a:rPr lang="en-US" dirty="0" smtClean="0"/>
-              <a:t>() examples</a:t>
-            </a:r>
-          </a:p>
-          <a:p>
-            <a:pPr lvl="1"/>
-            <a:r>
-              <a:rPr lang="en-US" dirty="0" err="1" smtClean="0"/>
+              <a:rPr lang="en-US" dirty="0" err="1"/>
               <a:t>scanf</a:t>
             </a:r>
             <a:r>
-              <a:rPr lang="en-US" dirty="0" smtClean="0"/>
+              <a:rPr lang="en-US" dirty="0"/>
               <a:t>()</a:t>
             </a:r>
           </a:p>
@@ -17445,7 +17150,7 @@
           <a:p>
             <a:fld id="{9BD90812-53E9-2244-91EC-3EBD61DBCC21}" type="datetime1">
               <a:rPr lang="en-US" smtClean="0"/>
-              <a:t>2/2/19</a:t>
+              <a:t>2/4/2019</a:t>
             </a:fld>
             <a:endParaRPr lang="en-US"/>
           </a:p>
@@ -17467,7 +17172,7 @@
           <a:lstStyle/>
           <a:p>
             <a:r>
-              <a:rPr lang="en-US" altLang="en-US" smtClean="0"/>
+              <a:rPr lang="en-US" altLang="en-US"/>
               <a:t>ECE Application Programming: Lecture 5</a:t>
             </a:r>
             <a:endParaRPr lang="en-US" altLang="en-US" dirty="0"/>
@@ -17618,13 +17323,6 @@
   <p:clrMapOvr>
     <a:masterClrMapping/>
   </p:clrMapOvr>
-  <p:timing>
-    <p:tnLst>
-      <p:par>
-        <p:cTn id="1" dur="indefinite" restart="never" nodeType="tmRoot"/>
-      </p:par>
-    </p:tnLst>
-  </p:timing>
 </p:sld>
 </file>
 
@@ -18233,7 +17931,7 @@
               <a:rPr lang="en-US" smtClean="0">
                 <a:latin typeface="Garamond" charset="0"/>
               </a:rPr>
-              <a:t>2/2/19</a:t>
+              <a:t>2/4/2019</a:t>
             </a:fld>
             <a:endParaRPr lang="en-US">
               <a:latin typeface="Garamond" charset="0"/>
@@ -18260,10 +17958,9 @@
               <a:defRPr/>
             </a:pPr>
             <a:r>
-              <a:rPr lang="en-US" altLang="en-US" smtClean="0"/>
+              <a:rPr lang="en-US" altLang="en-US"/>
               <a:t>ECE Application Programming: Lecture 6</a:t>
             </a:r>
-            <a:endParaRPr lang="en-US" altLang="en-US"/>
           </a:p>
         </p:txBody>
       </p:sp>
@@ -18277,13 +17974,6 @@
   <p:clrMapOvr>
     <a:masterClrMapping/>
   </p:clrMapOvr>
-  <p:timing>
-    <p:tnLst>
-      <p:par>
-        <p:cTn id="1" dur="indefinite" restart="never" nodeType="tmRoot"/>
-      </p:par>
-    </p:tnLst>
-  </p:timing>
 </p:sld>
 </file>
 
@@ -18355,14 +18045,32 @@
           <a:p>
             <a:pPr lvl="1"/>
             <a:r>
-              <a:rPr lang="en-US" dirty="0" smtClean="0">
+              <a:rPr lang="en-US" dirty="0">
+                <a:latin typeface="Arial" charset="0"/>
+              </a:rPr>
+              <a:t>Finish </a:t>
+            </a:r>
+            <a:r>
+              <a:rPr lang="en-US" dirty="0" err="1">
+                <a:latin typeface="Arial" charset="0"/>
+              </a:rPr>
+              <a:t>scanf</a:t>
+            </a:r>
+            <a:r>
+              <a:rPr lang="en-US" dirty="0">
+                <a:latin typeface="Arial" charset="0"/>
+              </a:rPr>
+              <a:t>() introduction</a:t>
+            </a:r>
+          </a:p>
+          <a:p>
+            <a:pPr lvl="1"/>
+            <a:r>
+              <a:rPr lang="en-US" dirty="0">
                 <a:latin typeface="Arial" charset="0"/>
               </a:rPr>
               <a:t>PE1: Flowcharts and debugging</a:t>
             </a:r>
-            <a:endParaRPr lang="en-US" dirty="0">
-              <a:latin typeface="Arial" charset="0"/>
-            </a:endParaRPr>
           </a:p>
           <a:p>
             <a:r>
@@ -18382,10 +18090,17 @@
           <a:p>
             <a:pPr lvl="1"/>
             <a:r>
+              <a:rPr lang="en-US" dirty="0"/>
+              <a:t>Program 2 </a:t>
+            </a:r>
+            <a:r>
               <a:rPr lang="en-US"/>
-              <a:t>Program 2 due Friday, 9/21</a:t>
-            </a:r>
-            <a:endParaRPr lang="en-US" dirty="0"/>
+              <a:t>due Monday, </a:t>
+            </a:r>
+            <a:r>
+              <a:rPr lang="en-US" dirty="0"/>
+              <a:t>2/11</a:t>
+            </a:r>
           </a:p>
         </p:txBody>
       </p:sp>
@@ -18524,7 +18239,7 @@
               <a:rPr lang="en-US" smtClean="0">
                 <a:latin typeface="Garamond" charset="0"/>
               </a:rPr>
-              <a:t>2/2/19</a:t>
+              <a:t>2/4/2019</a:t>
             </a:fld>
             <a:endParaRPr lang="en-US">
               <a:latin typeface="Garamond" charset="0"/>
@@ -18551,10 +18266,9 @@
               <a:defRPr/>
             </a:pPr>
             <a:r>
-              <a:rPr lang="en-US" altLang="en-US" smtClean="0"/>
+              <a:rPr lang="en-US" altLang="en-US"/>
               <a:t>ECE Application Programming: Lecture 5</a:t>
             </a:r>
-            <a:endParaRPr lang="en-US" altLang="en-US"/>
           </a:p>
         </p:txBody>
       </p:sp>
@@ -18707,13 +18421,6 @@
   <p:clrMapOvr>
     <a:masterClrMapping/>
   </p:clrMapOvr>
-  <p:timing>
-    <p:tnLst>
-      <p:par>
-        <p:cTn id="1" dur="indefinite" restart="never" nodeType="tmRoot"/>
-      </p:par>
-    </p:tnLst>
-  </p:timing>
 </p:sld>
 </file>
 
@@ -18750,10 +18457,9 @@
           <a:lstStyle/>
           <a:p>
             <a:r>
-              <a:rPr lang="en-US" dirty="0" smtClean="0"/>
+              <a:rPr lang="en-US" dirty="0"/>
               <a:t>Program 2 overview</a:t>
             </a:r>
-            <a:endParaRPr lang="en-US" dirty="0"/>
           </a:p>
         </p:txBody>
       </p:sp>
@@ -18773,78 +18479,78 @@
           <a:lstStyle/>
           <a:p>
             <a:r>
-              <a:rPr lang="en-US" dirty="0" smtClean="0"/>
+              <a:rPr lang="en-US" dirty="0"/>
               <a:t>Learn basic I/O</a:t>
             </a:r>
           </a:p>
           <a:p>
             <a:r>
-              <a:rPr lang="en-US" dirty="0" smtClean="0"/>
+              <a:rPr lang="en-US" dirty="0"/>
               <a:t>Basic circuit analysis</a:t>
             </a:r>
           </a:p>
           <a:p>
             <a:pPr lvl="1"/>
             <a:r>
-              <a:rPr lang="en-US" dirty="0" smtClean="0"/>
+              <a:rPr lang="en-US" dirty="0"/>
               <a:t>All formulas on last page of figures document</a:t>
             </a:r>
           </a:p>
           <a:p>
             <a:r>
-              <a:rPr lang="en-US" dirty="0" err="1" smtClean="0"/>
+              <a:rPr lang="en-US" dirty="0" err="1"/>
               <a:t>zyBooks</a:t>
             </a:r>
             <a:r>
-              <a:rPr lang="en-US" dirty="0" smtClean="0"/>
+              <a:rPr lang="en-US" dirty="0"/>
               <a:t>-specific note</a:t>
             </a:r>
           </a:p>
           <a:p>
             <a:pPr lvl="1"/>
             <a:r>
-              <a:rPr lang="en-US" dirty="0" smtClean="0"/>
+              <a:rPr lang="en-US" dirty="0"/>
               <a:t>Must write </a:t>
             </a:r>
             <a:r>
-              <a:rPr lang="en-US" u="sng" dirty="0" smtClean="0"/>
+              <a:rPr lang="en-US" u="sng" dirty="0"/>
               <a:t>all</a:t>
             </a:r>
             <a:r>
-              <a:rPr lang="en-US" dirty="0" smtClean="0"/>
+              <a:rPr lang="en-US" dirty="0"/>
               <a:t> input for program ahead of time</a:t>
             </a:r>
           </a:p>
           <a:p>
             <a:r>
-              <a:rPr lang="en-US" dirty="0" smtClean="0"/>
+              <a:rPr lang="en-US" dirty="0"/>
               <a:t>Visual Studio-specific note</a:t>
             </a:r>
           </a:p>
           <a:p>
             <a:pPr lvl="1"/>
             <a:r>
-              <a:rPr lang="en-US" dirty="0" smtClean="0"/>
+              <a:rPr lang="en-US" dirty="0"/>
               <a:t>To avoid </a:t>
             </a:r>
             <a:r>
-              <a:rPr lang="en-US" dirty="0" err="1" smtClean="0"/>
+              <a:rPr lang="en-US" dirty="0" err="1"/>
               <a:t>scanf</a:t>
             </a:r>
             <a:r>
-              <a:rPr lang="en-US" dirty="0" smtClean="0"/>
+              <a:rPr lang="en-US" dirty="0"/>
               <a:t>() warnings, include following line </a:t>
             </a:r>
             <a:r>
-              <a:rPr lang="en-US" u="sng" dirty="0" smtClean="0"/>
+              <a:rPr lang="en-US" u="sng" dirty="0"/>
               <a:t>before</a:t>
             </a:r>
             <a:r>
-              <a:rPr lang="en-US" dirty="0" smtClean="0"/>
+              <a:rPr lang="en-US" dirty="0"/>
               <a:t> </a:t>
             </a:r>
             <a:r>
-              <a:rPr lang="en-US" dirty="0" smtClean="0">
+              <a:rPr lang="en-US" dirty="0">
                 <a:latin typeface="Courier New" charset="0"/>
                 <a:ea typeface="Courier New" charset="0"/>
                 <a:cs typeface="Courier New" charset="0"/>
@@ -18852,7 +18558,7 @@
               <a:t>#include &lt;</a:t>
             </a:r>
             <a:r>
-              <a:rPr lang="en-US" dirty="0" err="1" smtClean="0">
+              <a:rPr lang="en-US" dirty="0" err="1">
                 <a:latin typeface="Courier New" charset="0"/>
                 <a:ea typeface="Courier New" charset="0"/>
                 <a:cs typeface="Courier New" charset="0"/>
@@ -18860,7 +18566,7 @@
               <a:t>stdio.h</a:t>
             </a:r>
             <a:r>
-              <a:rPr lang="en-US" dirty="0" smtClean="0">
+              <a:rPr lang="en-US" dirty="0">
                 <a:latin typeface="Courier New" charset="0"/>
                 <a:ea typeface="Courier New" charset="0"/>
                 <a:cs typeface="Courier New" charset="0"/>
@@ -18868,7 +18574,7 @@
               <a:t>&gt;</a:t>
             </a:r>
             <a:r>
-              <a:rPr lang="en-US" dirty="0" smtClean="0"/>
+              <a:rPr lang="en-US" dirty="0"/>
               <a:t>:</a:t>
             </a:r>
           </a:p>
@@ -18877,7 +18583,7 @@
               <a:buNone/>
             </a:pPr>
             <a:r>
-              <a:rPr lang="en-US" dirty="0" smtClean="0">
+              <a:rPr lang="en-US" dirty="0">
                 <a:latin typeface="Courier New" charset="0"/>
                 <a:ea typeface="Courier New" charset="0"/>
                 <a:cs typeface="Courier New" charset="0"/>
@@ -18904,7 +18610,7 @@
           <a:p>
             <a:fld id="{28888A27-6320-AF42-B5B9-27BB24F270C3}" type="datetime1">
               <a:rPr lang="en-US" smtClean="0"/>
-              <a:t>2/2/19</a:t>
+              <a:t>2/4/2019</a:t>
             </a:fld>
             <a:endParaRPr lang="en-US"/>
           </a:p>
@@ -18929,10 +18635,9 @@
               <a:defRPr/>
             </a:pPr>
             <a:r>
-              <a:rPr lang="en-US" altLang="en-US" smtClean="0"/>
+              <a:rPr lang="en-US" altLang="en-US"/>
               <a:t>ECE Application Programming: Lecture 5</a:t>
             </a:r>
-            <a:endParaRPr lang="en-US" altLang="en-US"/>
           </a:p>
         </p:txBody>
       </p:sp>
@@ -19150,16 +18855,10 @@
           <a:lstStyle/>
           <a:p>
             <a:r>
-              <a:rPr lang="en-US" dirty="0" smtClean="0">
-                <a:latin typeface="Garamond" charset="0"/>
-              </a:rPr>
-              <a:t>Review: Arithmetic </a:t>
-            </a:r>
-            <a:r>
               <a:rPr lang="en-US" dirty="0">
                 <a:latin typeface="Garamond" charset="0"/>
               </a:rPr>
-              <a:t>Operations</a:t>
+              <a:t>Review: Arithmetic Operations</a:t>
             </a:r>
           </a:p>
         </p:txBody>
@@ -19181,8 +18880,20 @@
             <a:tbl>
               <a:tblPr/>
               <a:tblGrid>
-                <a:gridCol w="3048000"/>
-                <a:gridCol w="3048000"/>
+                <a:gridCol w="3048000">
+                  <a:extLst>
+                    <a:ext uri="{9D8B030D-6E8A-4147-A177-3AD203B41FA5}">
+                      <a16:colId xmlns:a16="http://schemas.microsoft.com/office/drawing/2014/main" val="20000"/>
+                    </a:ext>
+                  </a:extLst>
+                </a:gridCol>
+                <a:gridCol w="3048000">
+                  <a:extLst>
+                    <a:ext uri="{9D8B030D-6E8A-4147-A177-3AD203B41FA5}">
+                      <a16:colId xmlns:a16="http://schemas.microsoft.com/office/drawing/2014/main" val="20001"/>
+                    </a:ext>
+                  </a:extLst>
+                </a:gridCol>
               </a:tblGrid>
               <a:tr h="518169">
                 <a:tc>
@@ -19207,7 +18918,7 @@
                         <a:tabLst/>
                       </a:pPr>
                       <a:r>
-                        <a:rPr kumimoji="0" lang="en-US" sz="2800" b="1" i="0" u="none" strike="noStrike" cap="none" normalizeH="0" baseline="0" dirty="0" smtClean="0">
+                        <a:rPr kumimoji="0" lang="en-US" sz="2800" b="1" i="0" u="none" strike="noStrike" cap="none" normalizeH="0" baseline="0" dirty="0">
                           <a:ln>
                             <a:noFill/>
                           </a:ln>
@@ -19289,7 +19000,7 @@
                         <a:tabLst/>
                       </a:pPr>
                       <a:r>
-                        <a:rPr kumimoji="0" lang="en-US" sz="2800" b="1" i="0" u="none" strike="noStrike" cap="none" normalizeH="0" baseline="0" dirty="0" smtClean="0">
+                        <a:rPr kumimoji="0" lang="en-US" sz="2800" b="1" i="0" u="none" strike="noStrike" cap="none" normalizeH="0" baseline="0" dirty="0">
                           <a:ln>
                             <a:noFill/>
                           </a:ln>
@@ -19349,6 +19060,11 @@
                     <a:noFill/>
                   </a:tcPr>
                 </a:tc>
+                <a:extLst>
+                  <a:ext uri="{0D108BD9-81ED-4DB2-BD59-A6C34878D82A}">
+                    <a16:rowId xmlns:a16="http://schemas.microsoft.com/office/drawing/2014/main" val="10000"/>
+                  </a:ext>
+                </a:extLst>
               </a:tr>
               <a:tr h="518169">
                 <a:tc>
@@ -19373,7 +19089,7 @@
                         <a:tabLst/>
                       </a:pPr>
                       <a:r>
-                        <a:rPr kumimoji="0" lang="en-US" sz="2800" b="0" i="0" u="none" strike="noStrike" cap="none" normalizeH="0" baseline="0" dirty="0" smtClean="0">
+                        <a:rPr kumimoji="0" lang="en-US" sz="2800" b="0" i="0" u="none" strike="noStrike" cap="none" normalizeH="0" baseline="0" dirty="0">
                           <a:ln>
                             <a:noFill/>
                           </a:ln>
@@ -19455,7 +19171,7 @@
                         <a:tabLst/>
                       </a:pPr>
                       <a:r>
-                        <a:rPr kumimoji="0" lang="en-US" sz="2800" b="0" i="0" u="none" strike="noStrike" cap="none" normalizeH="0" baseline="0" dirty="0" smtClean="0">
+                        <a:rPr kumimoji="0" lang="en-US" sz="2800" b="0" i="0" u="none" strike="noStrike" cap="none" normalizeH="0" baseline="0" dirty="0">
                           <a:ln>
                             <a:noFill/>
                           </a:ln>
@@ -19516,6 +19232,11 @@
                     <a:noFill/>
                   </a:tcPr>
                 </a:tc>
+                <a:extLst>
+                  <a:ext uri="{0D108BD9-81ED-4DB2-BD59-A6C34878D82A}">
+                    <a16:rowId xmlns:a16="http://schemas.microsoft.com/office/drawing/2014/main" val="10001"/>
+                  </a:ext>
+                </a:extLst>
               </a:tr>
               <a:tr h="518169">
                 <a:tc>
@@ -19540,7 +19261,7 @@
                         <a:tabLst/>
                       </a:pPr>
                       <a:r>
-                        <a:rPr kumimoji="0" lang="en-US" sz="2800" b="0" i="0" u="none" strike="noStrike" cap="none" normalizeH="0" baseline="0" dirty="0" smtClean="0">
+                        <a:rPr kumimoji="0" lang="en-US" sz="2800" b="0" i="0" u="none" strike="noStrike" cap="none" normalizeH="0" baseline="0" dirty="0">
                           <a:ln>
                             <a:noFill/>
                           </a:ln>
@@ -19622,7 +19343,7 @@
                         <a:tabLst/>
                       </a:pPr>
                       <a:r>
-                        <a:rPr kumimoji="0" lang="en-US" sz="2800" b="0" i="0" u="none" strike="noStrike" cap="none" normalizeH="0" baseline="0" dirty="0" smtClean="0">
+                        <a:rPr kumimoji="0" lang="en-US" sz="2800" b="0" i="0" u="none" strike="noStrike" cap="none" normalizeH="0" baseline="0" dirty="0">
                           <a:ln>
                             <a:noFill/>
                           </a:ln>
@@ -19683,6 +19404,11 @@
                     <a:noFill/>
                   </a:tcPr>
                 </a:tc>
+                <a:extLst>
+                  <a:ext uri="{0D108BD9-81ED-4DB2-BD59-A6C34878D82A}">
+                    <a16:rowId xmlns:a16="http://schemas.microsoft.com/office/drawing/2014/main" val="10002"/>
+                  </a:ext>
+                </a:extLst>
               </a:tr>
               <a:tr h="518169">
                 <a:tc>
@@ -19707,7 +19433,7 @@
                         <a:tabLst/>
                       </a:pPr>
                       <a:r>
-                        <a:rPr kumimoji="0" lang="en-US" sz="2800" b="0" i="0" u="none" strike="noStrike" cap="none" normalizeH="0" baseline="0" dirty="0" smtClean="0">
+                        <a:rPr kumimoji="0" lang="en-US" sz="2800" b="0" i="0" u="none" strike="noStrike" cap="none" normalizeH="0" baseline="0" dirty="0">
                           <a:ln>
                             <a:noFill/>
                           </a:ln>
@@ -19789,7 +19515,7 @@
                         <a:tabLst/>
                       </a:pPr>
                       <a:r>
-                        <a:rPr kumimoji="0" lang="en-US" sz="2800" b="0" i="0" u="none" strike="noStrike" cap="none" normalizeH="0" baseline="0" dirty="0" smtClean="0">
+                        <a:rPr kumimoji="0" lang="en-US" sz="2800" b="0" i="0" u="none" strike="noStrike" cap="none" normalizeH="0" baseline="0" dirty="0">
                           <a:ln>
                             <a:noFill/>
                           </a:ln>
@@ -19850,6 +19576,11 @@
                     <a:noFill/>
                   </a:tcPr>
                 </a:tc>
+                <a:extLst>
+                  <a:ext uri="{0D108BD9-81ED-4DB2-BD59-A6C34878D82A}">
+                    <a16:rowId xmlns:a16="http://schemas.microsoft.com/office/drawing/2014/main" val="10003"/>
+                  </a:ext>
+                </a:extLst>
               </a:tr>
               <a:tr h="518169">
                 <a:tc>
@@ -19874,7 +19605,7 @@
                         <a:tabLst/>
                       </a:pPr>
                       <a:r>
-                        <a:rPr kumimoji="0" lang="en-US" sz="2800" b="0" i="0" u="none" strike="noStrike" cap="none" normalizeH="0" baseline="0" smtClean="0">
+                        <a:rPr kumimoji="0" lang="en-US" sz="2800" b="0" i="0" u="none" strike="noStrike" cap="none" normalizeH="0" baseline="0">
                           <a:ln>
                             <a:noFill/>
                           </a:ln>
@@ -19956,7 +19687,7 @@
                         <a:tabLst/>
                       </a:pPr>
                       <a:r>
-                        <a:rPr kumimoji="0" lang="en-US" sz="2800" b="0" i="0" u="none" strike="noStrike" cap="none" normalizeH="0" baseline="0" dirty="0" smtClean="0">
+                        <a:rPr kumimoji="0" lang="en-US" sz="2800" b="0" i="0" u="none" strike="noStrike" cap="none" normalizeH="0" baseline="0" dirty="0">
                           <a:ln>
                             <a:noFill/>
                           </a:ln>
@@ -20017,6 +19748,11 @@
                     <a:noFill/>
                   </a:tcPr>
                 </a:tc>
+                <a:extLst>
+                  <a:ext uri="{0D108BD9-81ED-4DB2-BD59-A6C34878D82A}">
+                    <a16:rowId xmlns:a16="http://schemas.microsoft.com/office/drawing/2014/main" val="10004"/>
+                  </a:ext>
+                </a:extLst>
               </a:tr>
               <a:tr h="1030242">
                 <a:tc>
@@ -20041,7 +19777,7 @@
                         <a:tabLst/>
                       </a:pPr>
                       <a:r>
-                        <a:rPr kumimoji="0" lang="en-US" sz="2800" b="0" i="0" u="none" strike="noStrike" cap="none" normalizeH="0" baseline="0" smtClean="0">
+                        <a:rPr kumimoji="0" lang="en-US" sz="2800" b="0" i="0" u="none" strike="noStrike" cap="none" normalizeH="0" baseline="0">
                           <a:ln>
                             <a:noFill/>
                           </a:ln>
@@ -20072,7 +19808,7 @@
                         <a:tabLst/>
                       </a:pPr>
                       <a:r>
-                        <a:rPr kumimoji="0" lang="en-US" sz="2800" b="0" i="0" u="none" strike="noStrike" cap="none" normalizeH="0" baseline="0" smtClean="0">
+                        <a:rPr kumimoji="0" lang="en-US" sz="2800" b="0" i="0" u="none" strike="noStrike" cap="none" normalizeH="0" baseline="0">
                           <a:ln>
                             <a:noFill/>
                           </a:ln>
@@ -20154,7 +19890,7 @@
                         <a:tabLst/>
                       </a:pPr>
                       <a:r>
-                        <a:rPr kumimoji="0" lang="en-US" sz="2800" b="0" i="0" u="none" strike="noStrike" cap="none" normalizeH="0" baseline="0" dirty="0" smtClean="0">
+                        <a:rPr kumimoji="0" lang="en-US" sz="2800" b="0" i="0" u="none" strike="noStrike" cap="none" normalizeH="0" baseline="0" dirty="0">
                           <a:ln>
                             <a:noFill/>
                           </a:ln>
@@ -20215,6 +19951,11 @@
                     <a:noFill/>
                   </a:tcPr>
                 </a:tc>
+                <a:extLst>
+                  <a:ext uri="{0D108BD9-81ED-4DB2-BD59-A6C34878D82A}">
+                    <a16:rowId xmlns:a16="http://schemas.microsoft.com/office/drawing/2014/main" val="10005"/>
+                  </a:ext>
+                </a:extLst>
               </a:tr>
             </a:tbl>
           </a:graphicData>
@@ -20355,7 +20096,7 @@
               <a:rPr lang="en-US" smtClean="0">
                 <a:latin typeface="Garamond" charset="0"/>
               </a:rPr>
-              <a:t>2/2/19</a:t>
+              <a:t>2/4/2019</a:t>
             </a:fld>
             <a:endParaRPr lang="en-US">
               <a:latin typeface="Garamond" charset="0"/>
@@ -20382,10 +20123,9 @@
               <a:defRPr/>
             </a:pPr>
             <a:r>
-              <a:rPr lang="en-US" altLang="en-US" smtClean="0"/>
+              <a:rPr lang="en-US" altLang="en-US"/>
               <a:t>ECE Application Programming: Lecture 5</a:t>
             </a:r>
-            <a:endParaRPr lang="en-US" altLang="en-US"/>
           </a:p>
         </p:txBody>
       </p:sp>
@@ -20394,13 +20134,6 @@
   <p:clrMapOvr>
     <a:masterClrMapping/>
   </p:clrMapOvr>
-  <p:timing>
-    <p:tnLst>
-      <p:par>
-        <p:cTn id="1" dur="indefinite" restart="never" nodeType="tmRoot"/>
-      </p:par>
-    </p:tnLst>
-  </p:timing>
 </p:sld>
 </file>
 
@@ -20468,13 +20201,13 @@
               <a:defRPr/>
             </a:pPr>
             <a:r>
-              <a:rPr lang="en-US" dirty="0" smtClean="0">
+              <a:rPr lang="en-US" dirty="0">
                 <a:ea typeface="+mn-ea"/>
               </a:rPr>
               <a:t>To print variables (or constants), insert </a:t>
             </a:r>
             <a:r>
-              <a:rPr lang="en-US" dirty="0" smtClean="0">
+              <a:rPr lang="en-US" dirty="0">
                 <a:latin typeface="Courier New" pitchFamily="49" charset="0"/>
                 <a:ea typeface="+mn-ea"/>
                 <a:cs typeface="Courier New" pitchFamily="49" charset="0"/>
@@ -20482,13 +20215,13 @@
               <a:t>%&lt;type&gt; </a:t>
             </a:r>
             <a:r>
-              <a:rPr lang="en-US" dirty="0" smtClean="0">
+              <a:rPr lang="en-US" dirty="0">
                 <a:ea typeface="+mn-ea"/>
               </a:rPr>
               <a:t>in your </a:t>
             </a:r>
             <a:r>
-              <a:rPr lang="en-US" dirty="0" err="1" smtClean="0">
+              <a:rPr lang="en-US" dirty="0" err="1">
                 <a:latin typeface="Courier New" pitchFamily="49" charset="0"/>
                 <a:ea typeface="+mn-ea"/>
                 <a:cs typeface="Courier New" pitchFamily="49" charset="0"/>
@@ -20496,7 +20229,7 @@
               <a:t>printf</a:t>
             </a:r>
             <a:r>
-              <a:rPr lang="en-US" dirty="0" smtClean="0">
+              <a:rPr lang="en-US" dirty="0">
                 <a:latin typeface="Courier New" pitchFamily="49" charset="0"/>
                 <a:ea typeface="+mn-ea"/>
                 <a:cs typeface="Courier New" pitchFamily="49" charset="0"/>
@@ -20504,7 +20237,7 @@
               <a:t>()</a:t>
             </a:r>
             <a:r>
-              <a:rPr lang="en-US" dirty="0" smtClean="0">
+              <a:rPr lang="en-US" dirty="0">
                 <a:ea typeface="+mn-ea"/>
               </a:rPr>
               <a:t> format string</a:t>
@@ -20666,13 +20399,13 @@
               <a:defRPr/>
             </a:pPr>
             <a:r>
-              <a:rPr lang="en-US" dirty="0" smtClean="0">
+              <a:rPr lang="en-US" dirty="0">
                 <a:ea typeface="+mn-ea"/>
               </a:rPr>
               <a:t>Each </a:t>
             </a:r>
             <a:r>
-              <a:rPr lang="en-US" dirty="0" smtClean="0">
+              <a:rPr lang="en-US" dirty="0">
                 <a:latin typeface="Courier New" pitchFamily="49" charset="0"/>
                 <a:ea typeface="+mn-ea"/>
                 <a:cs typeface="Courier New" pitchFamily="49" charset="0"/>
@@ -20680,7 +20413,7 @@
               <a:t>%&lt;type&gt; </a:t>
             </a:r>
             <a:r>
-              <a:rPr lang="en-US" dirty="0" smtClean="0">
+              <a:rPr lang="en-US" dirty="0">
                 <a:ea typeface="+mn-ea"/>
               </a:rPr>
               <a:t>must correspond to a variable or constant that follows</a:t>
@@ -20693,13 +20426,13 @@
               <a:defRPr/>
             </a:pPr>
             <a:r>
-              <a:rPr lang="en-US" dirty="0" err="1" smtClean="0">
+              <a:rPr lang="en-US" dirty="0" err="1">
                 <a:latin typeface="Courier New" pitchFamily="49" charset="0"/>
               </a:rPr>
               <a:t>printf</a:t>
             </a:r>
             <a:r>
-              <a:rPr lang="en-US" dirty="0" smtClean="0">
+              <a:rPr lang="en-US" dirty="0">
                 <a:latin typeface="Courier New" pitchFamily="49" charset="0"/>
               </a:rPr>
               <a:t>("a=%.3f, b=%.2f", a, b);</a:t>
@@ -20842,7 +20575,7 @@
               <a:rPr lang="en-US" smtClean="0">
                 <a:latin typeface="Garamond" charset="0"/>
               </a:rPr>
-              <a:t>2/2/19</a:t>
+              <a:t>2/4/2019</a:t>
             </a:fld>
             <a:endParaRPr lang="en-US">
               <a:latin typeface="Garamond" charset="0"/>
@@ -20869,10 +20602,9 @@
               <a:defRPr/>
             </a:pPr>
             <a:r>
-              <a:rPr lang="en-US" altLang="en-US" smtClean="0"/>
+              <a:rPr lang="en-US" altLang="en-US"/>
               <a:t>ECE Application Programming: Lecture 6</a:t>
             </a:r>
-            <a:endParaRPr lang="en-US" altLang="en-US"/>
           </a:p>
         </p:txBody>
       </p:sp>
@@ -21030,13 +20762,6 @@
   <p:clrMapOvr>
     <a:masterClrMapping/>
   </p:clrMapOvr>
-  <p:timing>
-    <p:tnLst>
-      <p:par>
-        <p:cTn id="1" dur="indefinite" restart="never" nodeType="tmRoot"/>
-      </p:par>
-    </p:tnLst>
-  </p:timing>
 </p:sld>
 </file>
 
@@ -21104,148 +20829,138 @@
               <a:defRPr/>
             </a:pPr>
             <a:r>
-              <a:rPr lang="en-US" b="1" dirty="0" smtClean="0">
+              <a:rPr lang="en-US" b="1" dirty="0">
                 <a:latin typeface="Courier New" pitchFamily="49" charset="0"/>
                 <a:ea typeface="+mn-ea"/>
               </a:rPr>
               <a:t>float a=67.49,b=9.999925;</a:t>
             </a:r>
             <a:r>
-              <a:rPr lang="en-US" b="1" dirty="0" smtClean="0">
+              <a:rPr lang="en-US" b="1" dirty="0">
                 <a:ea typeface="+mn-ea"/>
               </a:rPr>
               <a:t>	</a:t>
             </a:r>
-            <a:r>
-              <a:rPr lang="en-US" b="1" dirty="0" smtClean="0">
+            <a:br>
+              <a:rPr lang="en-US" b="1" dirty="0">
                 <a:solidFill>
                   <a:schemeClr val="accent2"/>
                 </a:solidFill>
                 <a:latin typeface="Courier New" pitchFamily="49" charset="0"/>
                 <a:ea typeface="+mn-ea"/>
               </a:rPr>
-              <a:t/>
-            </a:r>
-            <a:br>
-              <a:rPr lang="en-US" b="1" dirty="0" smtClean="0">
-                <a:solidFill>
-                  <a:schemeClr val="accent2"/>
-                </a:solidFill>
+            </a:br>
+            <a:r>
+              <a:rPr lang="en-US" b="1" dirty="0" err="1">
                 <a:latin typeface="Courier New" pitchFamily="49" charset="0"/>
                 <a:ea typeface="+mn-ea"/>
               </a:rPr>
-            </a:br>
-            <a:r>
-              <a:rPr lang="en-US" b="1" dirty="0" err="1" smtClean="0">
+              <a:t>printf</a:t>
+            </a:r>
+            <a:r>
+              <a:rPr lang="en-US" b="1" dirty="0">
                 <a:latin typeface="Courier New" pitchFamily="49" charset="0"/>
                 <a:ea typeface="+mn-ea"/>
               </a:rPr>
-              <a:t>printf</a:t>
-            </a:r>
-            <a:r>
-              <a:rPr lang="en-US" b="1" dirty="0" smtClean="0">
+              <a:t>("hello %f there %f\n",</a:t>
+            </a:r>
+            <a:r>
+              <a:rPr lang="en-US" b="1" dirty="0" err="1">
                 <a:latin typeface="Courier New" pitchFamily="49" charset="0"/>
                 <a:ea typeface="+mn-ea"/>
               </a:rPr>
-              <a:t>("hello %f there %f\n",</a:t>
-            </a:r>
-            <a:r>
-              <a:rPr lang="en-US" b="1" dirty="0" err="1" smtClean="0">
+              <a:t>a,b</a:t>
+            </a:r>
+            <a:r>
+              <a:rPr lang="en-US" b="1" dirty="0">
                 <a:latin typeface="Courier New" pitchFamily="49" charset="0"/>
                 <a:ea typeface="+mn-ea"/>
               </a:rPr>
-              <a:t>a,b</a:t>
-            </a:r>
-            <a:r>
-              <a:rPr lang="en-US" b="1" dirty="0" smtClean="0">
+              <a:t>);</a:t>
+            </a:r>
+            <a:br>
+              <a:rPr lang="en-US" b="1" dirty="0">
                 <a:latin typeface="Courier New" pitchFamily="49" charset="0"/>
                 <a:ea typeface="+mn-ea"/>
               </a:rPr>
-              <a:t>);</a:t>
-            </a:r>
-            <a:br>
-              <a:rPr lang="en-US" b="1" dirty="0" smtClean="0">
+            </a:br>
+            <a:r>
+              <a:rPr lang="en-US" b="1" dirty="0" err="1">
                 <a:latin typeface="Courier New" pitchFamily="49" charset="0"/>
                 <a:ea typeface="+mn-ea"/>
               </a:rPr>
-            </a:br>
-            <a:r>
-              <a:rPr lang="en-US" b="1" dirty="0" err="1" smtClean="0">
+              <a:t>printf</a:t>
+            </a:r>
+            <a:r>
+              <a:rPr lang="en-US" b="1" dirty="0">
                 <a:latin typeface="Courier New" pitchFamily="49" charset="0"/>
                 <a:ea typeface="+mn-ea"/>
               </a:rPr>
-              <a:t>printf</a:t>
-            </a:r>
-            <a:r>
-              <a:rPr lang="en-US" b="1" dirty="0" smtClean="0">
+              <a:t>("%</a:t>
+            </a:r>
+            <a:r>
+              <a:rPr lang="en-US" b="1" dirty="0" err="1">
                 <a:latin typeface="Courier New" pitchFamily="49" charset="0"/>
                 <a:ea typeface="+mn-ea"/>
               </a:rPr>
-              <a:t>("%</a:t>
-            </a:r>
-            <a:r>
-              <a:rPr lang="en-US" b="1" dirty="0" err="1" smtClean="0">
+              <a:t>f%f%f%f</a:t>
+            </a:r>
+            <a:r>
+              <a:rPr lang="en-US" b="1" dirty="0">
                 <a:latin typeface="Courier New" pitchFamily="49" charset="0"/>
                 <a:ea typeface="+mn-ea"/>
               </a:rPr>
-              <a:t>f%f%f%f</a:t>
-            </a:r>
-            <a:r>
-              <a:rPr lang="en-US" b="1" dirty="0" smtClean="0">
+              <a:t>\n",</a:t>
+            </a:r>
+            <a:r>
+              <a:rPr lang="en-US" b="1" dirty="0" err="1">
                 <a:latin typeface="Courier New" pitchFamily="49" charset="0"/>
                 <a:ea typeface="+mn-ea"/>
               </a:rPr>
-              <a:t>\n",</a:t>
-            </a:r>
-            <a:r>
-              <a:rPr lang="en-US" b="1" dirty="0" err="1" smtClean="0">
+              <a:t>a,a,b,b</a:t>
+            </a:r>
+            <a:r>
+              <a:rPr lang="en-US" b="1" dirty="0">
                 <a:latin typeface="Courier New" pitchFamily="49" charset="0"/>
                 <a:ea typeface="+mn-ea"/>
               </a:rPr>
-              <a:t>a,a,b,b</a:t>
-            </a:r>
-            <a:r>
-              <a:rPr lang="en-US" b="1" dirty="0" smtClean="0">
+              <a:t>);</a:t>
+            </a:r>
+            <a:br>
+              <a:rPr lang="en-US" b="1" dirty="0">
                 <a:latin typeface="Courier New" pitchFamily="49" charset="0"/>
                 <a:ea typeface="+mn-ea"/>
               </a:rPr>
-              <a:t>);</a:t>
-            </a:r>
-            <a:br>
-              <a:rPr lang="en-US" b="1" dirty="0" smtClean="0">
+            </a:br>
+            <a:r>
+              <a:rPr lang="en-US" b="1" dirty="0" err="1">
                 <a:latin typeface="Courier New" pitchFamily="49" charset="0"/>
                 <a:ea typeface="+mn-ea"/>
               </a:rPr>
-            </a:br>
-            <a:r>
-              <a:rPr lang="en-US" b="1" dirty="0" err="1" smtClean="0">
+              <a:t>printf</a:t>
+            </a:r>
+            <a:r>
+              <a:rPr lang="en-US" b="1" dirty="0">
                 <a:latin typeface="Courier New" pitchFamily="49" charset="0"/>
                 <a:ea typeface="+mn-ea"/>
               </a:rPr>
-              <a:t>printf</a:t>
-            </a:r>
-            <a:r>
-              <a:rPr lang="en-US" b="1" dirty="0" smtClean="0">
+              <a:t>("a=%.2f, b=%.1f",a,b);</a:t>
+            </a:r>
+            <a:br>
+              <a:rPr lang="en-US" b="1" dirty="0">
                 <a:latin typeface="Courier New" pitchFamily="49" charset="0"/>
                 <a:ea typeface="+mn-ea"/>
               </a:rPr>
-              <a:t>("a=%.2f, b=%.1f",a,b);</a:t>
-            </a:r>
-            <a:br>
-              <a:rPr lang="en-US" b="1" dirty="0" smtClean="0">
+            </a:br>
+            <a:r>
+              <a:rPr lang="en-US" b="1" dirty="0" err="1">
                 <a:latin typeface="Courier New" pitchFamily="49" charset="0"/>
                 <a:ea typeface="+mn-ea"/>
               </a:rPr>
-            </a:br>
-            <a:r>
-              <a:rPr lang="en-US" b="1" dirty="0" err="1" smtClean="0">
-                <a:latin typeface="Courier New" pitchFamily="49" charset="0"/>
-                <a:ea typeface="+mn-ea"/>
-              </a:rPr>
               <a:t>printf</a:t>
             </a:r>
             <a:r>
-              <a:rPr lang="en-US" b="1" dirty="0" smtClean="0">
+              <a:rPr lang="en-US" b="1" dirty="0">
                 <a:latin typeface="Courier New" pitchFamily="49" charset="0"/>
                 <a:ea typeface="+mn-ea"/>
               </a:rPr>
@@ -21258,7 +20973,7 @@
               <a:buNone/>
               <a:defRPr/>
             </a:pPr>
-            <a:endParaRPr lang="en-US" dirty="0" smtClean="0">
+            <a:endParaRPr lang="en-US" dirty="0">
               <a:ea typeface="+mn-ea"/>
             </a:endParaRPr>
           </a:p>
@@ -21269,7 +20984,7 @@
               <a:defRPr/>
             </a:pPr>
             <a:r>
-              <a:rPr lang="en-US" dirty="0" smtClean="0">
+              <a:rPr lang="en-US" dirty="0">
                 <a:ea typeface="+mn-ea"/>
               </a:rPr>
               <a:t>Printed:</a:t>
@@ -21282,7 +20997,7 @@
               <a:defRPr/>
             </a:pPr>
             <a:r>
-              <a:rPr lang="en-US" b="1" dirty="0" smtClean="0">
+              <a:rPr lang="en-US" b="1" dirty="0">
                 <a:solidFill>
                   <a:srgbClr val="FF0000"/>
                 </a:solidFill>
@@ -21292,7 +21007,7 @@
               <a:t>hello 67.490000 there 9.999925</a:t>
             </a:r>
             <a:br>
-              <a:rPr lang="en-US" b="1" dirty="0" smtClean="0">
+              <a:rPr lang="en-US" b="1" dirty="0">
                 <a:solidFill>
                   <a:srgbClr val="FF0000"/>
                 </a:solidFill>
@@ -21301,7 +21016,7 @@
               </a:rPr>
             </a:br>
             <a:r>
-              <a:rPr lang="en-US" b="1" dirty="0" smtClean="0">
+              <a:rPr lang="en-US" b="1" dirty="0">
                 <a:solidFill>
                   <a:srgbClr val="FF0000"/>
                 </a:solidFill>
@@ -21311,7 +21026,7 @@
               <a:t>67.49000067.4900009.9999259.999925</a:t>
             </a:r>
             <a:br>
-              <a:rPr lang="en-US" b="1" dirty="0" smtClean="0">
+              <a:rPr lang="en-US" b="1" dirty="0">
                 <a:solidFill>
                   <a:srgbClr val="FF0000"/>
                 </a:solidFill>
@@ -21320,7 +21035,7 @@
               </a:rPr>
             </a:br>
             <a:r>
-              <a:rPr lang="en-US" b="1" dirty="0" smtClean="0">
+              <a:rPr lang="en-US" b="1" dirty="0">
                 <a:solidFill>
                   <a:srgbClr val="FF0000"/>
                 </a:solidFill>
@@ -21477,7 +21192,7 @@
               <a:rPr lang="en-US" smtClean="0">
                 <a:latin typeface="Garamond" charset="0"/>
               </a:rPr>
-              <a:t>2/2/19</a:t>
+              <a:t>2/4/2019</a:t>
             </a:fld>
             <a:endParaRPr lang="en-US">
               <a:latin typeface="Garamond" charset="0"/>
@@ -21504,10 +21219,9 @@
               <a:defRPr/>
             </a:pPr>
             <a:r>
-              <a:rPr lang="en-US" altLang="en-US" smtClean="0"/>
+              <a:rPr lang="en-US" altLang="en-US"/>
               <a:t>ECE Application Programming: Lecture 5</a:t>
             </a:r>
-            <a:endParaRPr lang="en-US" altLang="en-US"/>
           </a:p>
         </p:txBody>
       </p:sp>
@@ -21660,13 +21374,6 @@
   <p:clrMapOvr>
     <a:masterClrMapping/>
   </p:clrMapOvr>
-  <p:timing>
-    <p:tnLst>
-      <p:par>
-        <p:cTn id="1" dur="indefinite" restart="never" nodeType="tmRoot"/>
-      </p:par>
-    </p:tnLst>
-  </p:timing>
 </p:sld>
 </file>
 
@@ -21739,13 +21446,13 @@
               <a:defRPr/>
             </a:pPr>
             <a:r>
-              <a:rPr lang="en-US" dirty="0" smtClean="0">
+              <a:rPr lang="en-US" dirty="0">
                 <a:ea typeface="+mn-ea"/>
               </a:rPr>
               <a:t>Show the output from each programs(assume </a:t>
             </a:r>
             <a:r>
-              <a:rPr lang="en-US" dirty="0" smtClean="0">
+              <a:rPr lang="en-US" dirty="0">
                 <a:latin typeface="Courier New" pitchFamily="49" charset="0"/>
                 <a:ea typeface="+mn-ea"/>
                 <a:cs typeface="Courier New" pitchFamily="49" charset="0"/>
@@ -21753,7 +21460,7 @@
               <a:t>#include &lt;</a:t>
             </a:r>
             <a:r>
-              <a:rPr lang="en-US" dirty="0" err="1" smtClean="0">
+              <a:rPr lang="en-US" dirty="0" err="1">
                 <a:latin typeface="Courier New" pitchFamily="49" charset="0"/>
                 <a:ea typeface="+mn-ea"/>
                 <a:cs typeface="Courier New" pitchFamily="49" charset="0"/>
@@ -21761,7 +21468,7 @@
               <a:t>stdio.h</a:t>
             </a:r>
             <a:r>
-              <a:rPr lang="en-US" dirty="0" smtClean="0">
+              <a:rPr lang="en-US" dirty="0">
                 <a:latin typeface="Courier New" pitchFamily="49" charset="0"/>
                 <a:ea typeface="+mn-ea"/>
                 <a:cs typeface="Courier New" pitchFamily="49" charset="0"/>
@@ -21769,7 +21476,7 @@
               <a:t>&gt;</a:t>
             </a:r>
             <a:r>
-              <a:rPr lang="en-US" dirty="0" smtClean="0">
+              <a:rPr lang="en-US" dirty="0">
                 <a:ea typeface="+mn-ea"/>
               </a:rPr>
               <a:t> for all)</a:t>
@@ -21781,7 +21488,7 @@
               <a:buChar char="n"/>
               <a:defRPr/>
             </a:pPr>
-            <a:endParaRPr lang="en-US" dirty="0" smtClean="0">
+            <a:endParaRPr lang="en-US" dirty="0">
               <a:ea typeface="+mn-ea"/>
             </a:endParaRPr>
           </a:p>
@@ -21792,7 +21499,7 @@
               <a:defRPr/>
             </a:pPr>
             <a:r>
-              <a:rPr lang="en-US" b="1" dirty="0" smtClean="0">
+              <a:rPr lang="en-US" b="1" dirty="0">
                 <a:latin typeface="Courier New"/>
                 <a:ea typeface="+mn-ea"/>
               </a:rPr>
@@ -21806,35 +21513,35 @@
               <a:defRPr/>
             </a:pPr>
             <a:r>
-              <a:rPr lang="en-US" b="1" dirty="0" smtClean="0">
+              <a:rPr lang="en-US" b="1" dirty="0">
                 <a:latin typeface="Courier New"/>
                 <a:ea typeface="+mn-ea"/>
               </a:rPr>
               <a:t>	</a:t>
             </a:r>
             <a:r>
-              <a:rPr lang="en-US" b="1" dirty="0" err="1" smtClean="0">
+              <a:rPr lang="en-US" b="1" dirty="0" err="1">
                 <a:latin typeface="Courier New"/>
                 <a:ea typeface="+mn-ea"/>
               </a:rPr>
               <a:t>int</a:t>
             </a:r>
             <a:r>
-              <a:rPr lang="en-US" b="1" dirty="0" smtClean="0">
+              <a:rPr lang="en-US" b="1" dirty="0">
                 <a:latin typeface="Courier New"/>
                 <a:ea typeface="+mn-ea"/>
               </a:rPr>
               <a:t> </a:t>
             </a:r>
             <a:r>
-              <a:rPr lang="en-US" b="1" dirty="0" err="1" smtClean="0">
+              <a:rPr lang="en-US" b="1" dirty="0" err="1">
                 <a:latin typeface="Courier New"/>
                 <a:ea typeface="+mn-ea"/>
               </a:rPr>
               <a:t>i</a:t>
             </a:r>
             <a:r>
-              <a:rPr lang="en-US" b="1" dirty="0" smtClean="0">
+              <a:rPr lang="en-US" b="1" dirty="0">
                 <a:latin typeface="Courier New"/>
                 <a:ea typeface="+mn-ea"/>
               </a:rPr>
@@ -21848,7 +21555,7 @@
               <a:defRPr/>
             </a:pPr>
             <a:r>
-              <a:rPr lang="en-US" b="1" dirty="0" smtClean="0">
+              <a:rPr lang="en-US" b="1" dirty="0">
                 <a:latin typeface="Courier New"/>
                 <a:ea typeface="+mn-ea"/>
               </a:rPr>
@@ -21862,7 +21569,7 @@
               <a:defRPr/>
             </a:pPr>
             <a:r>
-              <a:rPr lang="en-US" b="1" dirty="0" smtClean="0">
+              <a:rPr lang="en-US" b="1" dirty="0">
                 <a:latin typeface="Courier New"/>
                 <a:ea typeface="+mn-ea"/>
               </a:rPr>
@@ -21876,21 +21583,21 @@
               <a:defRPr/>
             </a:pPr>
             <a:r>
-              <a:rPr lang="en-US" b="1" dirty="0" smtClean="0">
+              <a:rPr lang="en-US" b="1" dirty="0">
                 <a:latin typeface="Courier New"/>
                 <a:ea typeface="+mn-ea"/>
               </a:rPr>
               <a:t>	</a:t>
             </a:r>
             <a:r>
-              <a:rPr lang="en-US" b="1" dirty="0" err="1" smtClean="0">
+              <a:rPr lang="en-US" b="1" dirty="0" err="1">
                 <a:latin typeface="Courier New"/>
                 <a:ea typeface="+mn-ea"/>
               </a:rPr>
               <a:t>printf</a:t>
             </a:r>
             <a:r>
-              <a:rPr lang="en-US" b="1" dirty="0" smtClean="0">
+              <a:rPr lang="en-US" b="1" dirty="0">
                 <a:latin typeface="Courier New"/>
                 <a:ea typeface="+mn-ea"/>
               </a:rPr>
@@ -21904,7 +21611,7 @@
               <a:defRPr/>
             </a:pPr>
             <a:r>
-              <a:rPr lang="en-US" b="1" dirty="0" smtClean="0">
+              <a:rPr lang="en-US" b="1" dirty="0">
                 <a:latin typeface="Courier New"/>
                 <a:ea typeface="+mn-ea"/>
               </a:rPr>
@@ -21933,19 +21640,8 @@
                 <a:latin typeface="Courier New"/>
                 <a:ea typeface="+mn-ea"/>
               </a:rPr>
-              <a:t>void main</a:t>
-            </a:r>
-            <a:r>
-              <a:rPr lang="en-US" b="1" dirty="0" smtClean="0">
-                <a:latin typeface="Courier New"/>
-                <a:ea typeface="+mn-ea"/>
-              </a:rPr>
-              <a:t>() {</a:t>
-            </a:r>
-            <a:endParaRPr lang="en-US" b="1" dirty="0">
-              <a:latin typeface="Courier New"/>
-              <a:ea typeface="+mn-ea"/>
-            </a:endParaRPr>
+              <a:t>void main() {</a:t>
+            </a:r>
           </a:p>
           <a:p>
             <a:pPr>
@@ -22003,53 +21699,18 @@
               <a:t>	</a:t>
             </a:r>
             <a:r>
-              <a:rPr lang="en-US" b="1" dirty="0" err="1" smtClean="0">
+              <a:rPr lang="en-US" b="1" dirty="0" err="1">
                 <a:latin typeface="Courier New"/>
                 <a:ea typeface="+mn-ea"/>
               </a:rPr>
               <a:t>printf</a:t>
-            </a:r>
-            <a:r>
-              <a:rPr lang="en-US" b="1" dirty="0" smtClean="0">
-                <a:latin typeface="Courier New"/>
-                <a:ea typeface="+mn-ea"/>
-              </a:rPr>
-              <a:t>("f </a:t>
             </a:r>
             <a:r>
               <a:rPr lang="en-US" b="1" dirty="0">
                 <a:latin typeface="Courier New"/>
                 <a:ea typeface="+mn-ea"/>
               </a:rPr>
-              <a:t>= </a:t>
-            </a:r>
-            <a:r>
-              <a:rPr lang="en-US" b="1" dirty="0" smtClean="0">
-                <a:latin typeface="Courier New"/>
-                <a:ea typeface="+mn-ea"/>
-              </a:rPr>
-              <a:t>%lf</a:t>
-            </a:r>
-            <a:r>
-              <a:rPr lang="en-US" b="1" dirty="0">
-                <a:latin typeface="Courier New"/>
-                <a:ea typeface="+mn-ea"/>
-              </a:rPr>
-              <a:t>,\ng = </a:t>
-            </a:r>
-            <a:r>
-              <a:rPr lang="en-US" b="1" dirty="0" smtClean="0">
-                <a:latin typeface="Courier New"/>
-                <a:ea typeface="+mn-ea"/>
-              </a:rPr>
-              <a:t>%.2lf\n", </a:t>
-            </a:r>
-            <a:r>
-              <a:rPr lang="en-US" b="1" dirty="0">
-                <a:latin typeface="Courier New"/>
-                <a:ea typeface="+mn-ea"/>
-              </a:rPr>
-              <a:t>f, g);</a:t>
+              <a:t>("f = %lf,\ng = %.2lf\n", f, g);</a:t>
             </a:r>
             <a:endParaRPr lang="pt-BR" b="1" dirty="0">
               <a:latin typeface="Courier New"/>
@@ -22088,30 +21749,12 @@
               <a:defRPr/>
             </a:pPr>
             <a:r>
-              <a:rPr lang="en-US" b="1" dirty="0" smtClean="0">
-                <a:latin typeface="Courier New"/>
-                <a:ea typeface="+mn-ea"/>
-              </a:rPr>
-              <a:t>void </a:t>
-            </a:r>
-            <a:r>
               <a:rPr lang="en-US" b="1" dirty="0">
                 <a:latin typeface="Courier New"/>
                 <a:ea typeface="+mn-ea"/>
               </a:rPr>
-              <a:t>main</a:t>
-            </a:r>
-            <a:r>
-              <a:rPr lang="en-US" b="1" dirty="0" smtClean="0">
-                <a:latin typeface="Courier New"/>
-                <a:ea typeface="+mn-ea"/>
-              </a:rPr>
-              <a:t>() {</a:t>
-            </a:r>
-            <a:endParaRPr lang="en-US" b="1" dirty="0">
-              <a:latin typeface="Courier New"/>
-              <a:ea typeface="+mn-ea"/>
-            </a:endParaRPr>
+              <a:t>void main() {</a:t>
+            </a:r>
           </a:p>
           <a:p>
             <a:pPr>
@@ -22155,39 +21798,32 @@
               <a:t>	</a:t>
             </a:r>
             <a:r>
-              <a:rPr lang="en-US" b="1" dirty="0" err="1" smtClean="0">
+              <a:rPr lang="en-US" b="1" dirty="0" err="1">
                 <a:latin typeface="Courier New"/>
                 <a:ea typeface="+mn-ea"/>
               </a:rPr>
               <a:t>printf</a:t>
-            </a:r>
-            <a:r>
-              <a:rPr lang="en-US" b="1" dirty="0" smtClean="0">
-                <a:latin typeface="Courier New"/>
-                <a:ea typeface="+mn-ea"/>
-              </a:rPr>
-              <a:t>("</a:t>
-            </a:r>
-            <a:r>
-              <a:rPr lang="en-US" b="1" dirty="0" err="1" smtClean="0">
-                <a:latin typeface="Courier New"/>
-                <a:ea typeface="+mn-ea"/>
-              </a:rPr>
-              <a:t>Output%doesn't%dmake%dsense</a:t>
-            </a:r>
-            <a:r>
-              <a:rPr lang="en-US" b="1" dirty="0" smtClean="0">
-                <a:latin typeface="Courier New"/>
-                <a:ea typeface="+mn-ea"/>
-              </a:rPr>
-              <a:t>", </a:t>
             </a:r>
             <a:r>
               <a:rPr lang="en-US" b="1" dirty="0">
                 <a:latin typeface="Courier New"/>
                 <a:ea typeface="+mn-ea"/>
               </a:rPr>
-              <a:t>a, b, a + b);</a:t>
+              <a:t>("</a:t>
+            </a:r>
+            <a:r>
+              <a:rPr lang="en-US" b="1" dirty="0" err="1">
+                <a:latin typeface="Courier New"/>
+                <a:ea typeface="+mn-ea"/>
+              </a:rPr>
+              <a:t>Output%doesn't%dmake%dsense</a:t>
+            </a:r>
+            <a:r>
+              <a:rPr lang="en-US" b="1" dirty="0">
+                <a:latin typeface="Courier New"/>
+                <a:ea typeface="+mn-ea"/>
+              </a:rPr>
+              <a:t>", a, b, a + b);</a:t>
             </a:r>
           </a:p>
           <a:p>
@@ -22354,7 +21990,7 @@
               <a:rPr lang="en-US" smtClean="0">
                 <a:latin typeface="Garamond" charset="0"/>
               </a:rPr>
-              <a:t>2/2/19</a:t>
+              <a:t>2/4/2019</a:t>
             </a:fld>
             <a:endParaRPr lang="en-US">
               <a:latin typeface="Garamond" charset="0"/>
@@ -22381,10 +22017,9 @@
               <a:defRPr/>
             </a:pPr>
             <a:r>
-              <a:rPr lang="en-US" altLang="en-US" smtClean="0"/>
+              <a:rPr lang="en-US" altLang="en-US"/>
               <a:t>ECE Application Programming: Lecture 5</a:t>
             </a:r>
-            <a:endParaRPr lang="en-US" altLang="en-US"/>
           </a:p>
         </p:txBody>
       </p:sp>
@@ -22542,13 +22177,6 @@
   <p:clrMapOvr>
     <a:masterClrMapping/>
   </p:clrMapOvr>
-  <p:timing>
-    <p:tnLst>
-      <p:par>
-        <p:cTn id="1" dur="indefinite" restart="never" nodeType="tmRoot"/>
-      </p:par>
-    </p:tnLst>
-  </p:timing>
 </p:sld>
 </file>
 
@@ -22662,17 +22290,10 @@
                 <a:latin typeface="Courier New"/>
                 <a:ea typeface="+mn-ea"/>
               </a:rPr>
-              <a:t>	k = j * i</a:t>
-            </a:r>
-            <a:r>
-              <a:rPr lang="en-US" dirty="0" smtClean="0">
-                <a:latin typeface="Courier New"/>
-                <a:ea typeface="+mn-ea"/>
-              </a:rPr>
-              <a:t>;			</a:t>
-            </a:r>
-            <a:r>
-              <a:rPr lang="en-US" b="1" dirty="0" smtClean="0">
+              <a:t>	k = j * i;			</a:t>
+            </a:r>
+            <a:r>
+              <a:rPr lang="en-US" b="1" dirty="0">
                 <a:solidFill>
                   <a:srgbClr val="FF0000"/>
                 </a:solidFill>
@@ -22697,17 +22318,10 @@
                 <a:latin typeface="Courier New"/>
                 <a:ea typeface="+mn-ea"/>
               </a:rPr>
-              <a:t>	m = i + j</a:t>
-            </a:r>
-            <a:r>
-              <a:rPr lang="en-US" dirty="0" smtClean="0">
-                <a:latin typeface="Courier New"/>
-                <a:ea typeface="+mn-ea"/>
-              </a:rPr>
-              <a:t>;			</a:t>
-            </a:r>
-            <a:r>
-              <a:rPr lang="en-US" b="1" dirty="0" smtClean="0">
+              <a:t>	m = i + j;			</a:t>
+            </a:r>
+            <a:r>
+              <a:rPr lang="en-US" b="1" dirty="0">
                 <a:solidFill>
                   <a:srgbClr val="FF0000"/>
                 </a:solidFill>
@@ -22742,23 +22356,12 @@
               <a:t>printf</a:t>
             </a:r>
             <a:r>
-              <a:rPr lang="en-US" dirty="0" smtClean="0">
-                <a:latin typeface="Courier New"/>
-                <a:ea typeface="+mn-ea"/>
-              </a:rPr>
-              <a:t>("%</a:t>
-            </a:r>
-            <a:r>
               <a:rPr lang="en-US" dirty="0">
                 <a:latin typeface="Courier New"/>
                 <a:ea typeface="+mn-ea"/>
               </a:rPr>
-              <a:t>d %d %d %d\n", </a:t>
-            </a:r>
-            <a:endParaRPr lang="en-US" dirty="0" smtClean="0">
-              <a:latin typeface="Courier New"/>
-              <a:ea typeface="+mn-ea"/>
-            </a:endParaRPr>
+              <a:t>("%d %d %d %d\n", </a:t>
+            </a:r>
           </a:p>
           <a:p>
             <a:pPr>
@@ -22771,21 +22374,7 @@
                 <a:latin typeface="Courier New"/>
                 <a:ea typeface="+mn-ea"/>
               </a:rPr>
-              <a:t>	</a:t>
-            </a:r>
-            <a:r>
-              <a:rPr lang="en-US" dirty="0" smtClean="0">
-                <a:latin typeface="Courier New"/>
-                <a:ea typeface="+mn-ea"/>
-              </a:rPr>
-              <a:t>		 i</a:t>
-            </a:r>
-            <a:r>
-              <a:rPr lang="en-US" dirty="0">
-                <a:latin typeface="Courier New"/>
-                <a:ea typeface="+mn-ea"/>
-              </a:rPr>
-              <a:t>, j, k, m);</a:t>
+              <a:t>			 i, j, k, m);</a:t>
             </a:r>
           </a:p>
           <a:p>
@@ -22795,7 +22384,7 @@
               <a:defRPr/>
             </a:pPr>
             <a:r>
-              <a:rPr lang="en-US" dirty="0" smtClean="0">
+              <a:rPr lang="en-US" dirty="0">
                 <a:latin typeface="Courier New"/>
                 <a:ea typeface="+mn-ea"/>
               </a:rPr>
@@ -22820,7 +22409,7 @@
               <a:defRPr/>
             </a:pPr>
             <a:r>
-              <a:rPr lang="en-US" b="1" u="sng" dirty="0" smtClean="0">
+              <a:rPr lang="en-US" b="1" u="sng" dirty="0">
                 <a:solidFill>
                   <a:srgbClr val="FF0000"/>
                 </a:solidFill>
@@ -22830,7 +22419,7 @@
               <a:t>Output:</a:t>
             </a:r>
             <a:r>
-              <a:rPr lang="en-US" dirty="0" smtClean="0">
+              <a:rPr lang="en-US" dirty="0">
                 <a:solidFill>
                   <a:srgbClr val="FF0000"/>
                 </a:solidFill>
@@ -22840,7 +22429,7 @@
               <a:t> </a:t>
             </a:r>
             <a:r>
-              <a:rPr lang="en-US" b="1" dirty="0" smtClean="0">
+              <a:rPr lang="en-US" b="1" dirty="0">
                 <a:solidFill>
                   <a:srgbClr val="FF0000"/>
                 </a:solidFill>
@@ -23022,7 +22611,7 @@
               <a:rPr lang="en-US" smtClean="0">
                 <a:latin typeface="Garamond" charset="0"/>
               </a:rPr>
-              <a:t>2/2/19</a:t>
+              <a:t>2/4/2019</a:t>
             </a:fld>
             <a:endParaRPr lang="en-US">
               <a:latin typeface="Garamond" charset="0"/>
@@ -23049,10 +22638,9 @@
               <a:defRPr/>
             </a:pPr>
             <a:r>
-              <a:rPr lang="en-US" altLang="en-US" smtClean="0"/>
+              <a:rPr lang="en-US" altLang="en-US"/>
               <a:t>ECE Application Programming: Lecture 5</a:t>
             </a:r>
-            <a:endParaRPr lang="en-US" altLang="en-US"/>
           </a:p>
         </p:txBody>
       </p:sp>
@@ -23210,13 +22798,6 @@
   <p:clrMapOvr>
     <a:masterClrMapping/>
   </p:clrMapOvr>
-  <p:timing>
-    <p:tnLst>
-      <p:par>
-        <p:cTn id="1" dur="indefinite" restart="never" nodeType="tmRoot"/>
-      </p:par>
-    </p:tnLst>
-  </p:timing>
 </p:sld>
 </file>
 
@@ -23316,17 +22897,10 @@
                 <a:latin typeface="Courier New"/>
                 <a:ea typeface="+mn-ea"/>
               </a:rPr>
-              <a:t>	f = 1.0 / 4.0</a:t>
-            </a:r>
-            <a:r>
-              <a:rPr lang="en-US" dirty="0" smtClean="0">
-                <a:latin typeface="Courier New"/>
-                <a:ea typeface="+mn-ea"/>
-              </a:rPr>
-              <a:t>;		</a:t>
-            </a:r>
-            <a:r>
-              <a:rPr lang="en-US" b="1" dirty="0" smtClean="0">
+              <a:t>	f = 1.0 / 4.0;		</a:t>
+            </a:r>
+            <a:r>
+              <a:rPr lang="en-US" b="1" dirty="0">
                 <a:solidFill>
                   <a:srgbClr val="FF0000"/>
                 </a:solidFill>
@@ -23351,36 +22925,25 @@
                 <a:latin typeface="Courier New"/>
                 <a:ea typeface="+mn-ea"/>
               </a:rPr>
-              <a:t>	g = f * 20</a:t>
-            </a:r>
-            <a:r>
-              <a:rPr lang="en-US" dirty="0" smtClean="0">
+              <a:t>	g = f * 20;			</a:t>
+            </a:r>
+            <a:r>
+              <a:rPr lang="en-US" b="1" dirty="0">
+                <a:solidFill>
+                  <a:srgbClr val="FF0000"/>
+                </a:solidFill>
                 <a:latin typeface="Courier New"/>
                 <a:ea typeface="+mn-ea"/>
               </a:rPr>
-              <a:t>;			</a:t>
-            </a:r>
-            <a:r>
-              <a:rPr lang="en-US" b="1" dirty="0" smtClean="0">
-                <a:solidFill>
-                  <a:srgbClr val="FF0000"/>
-                </a:solidFill>
+              <a:t>g = 0.25 * 20					  	  = 5</a:t>
+            </a:r>
+            <a:r>
+              <a:rPr lang="en-US" dirty="0">
                 <a:latin typeface="Courier New"/>
                 <a:ea typeface="+mn-ea"/>
               </a:rPr>
-              <a:t>g = 0.25 * 20					  	  = 5</a:t>
-            </a:r>
-            <a:r>
-              <a:rPr lang="en-US" dirty="0" smtClean="0">
-                <a:latin typeface="Courier New"/>
-                <a:ea typeface="+mn-ea"/>
-              </a:rPr>
               <a:t>	</a:t>
             </a:r>
-            <a:endParaRPr lang="en-US" dirty="0">
-              <a:latin typeface="Courier New"/>
-              <a:ea typeface="+mn-ea"/>
-            </a:endParaRPr>
           </a:p>
           <a:p>
             <a:pPr>
@@ -23403,39 +22966,11 @@
               <a:t>printf</a:t>
             </a:r>
             <a:r>
-              <a:rPr lang="en-US" dirty="0" smtClean="0">
-                <a:latin typeface="Courier New"/>
-                <a:ea typeface="+mn-ea"/>
-              </a:rPr>
-              <a:t>("f </a:t>
-            </a:r>
-            <a:r>
               <a:rPr lang="en-US" dirty="0">
                 <a:latin typeface="Courier New"/>
                 <a:ea typeface="+mn-ea"/>
               </a:rPr>
-              <a:t>= </a:t>
-            </a:r>
-            <a:r>
-              <a:rPr lang="en-US" dirty="0" smtClean="0">
-                <a:latin typeface="Courier New"/>
-                <a:ea typeface="+mn-ea"/>
-              </a:rPr>
-              <a:t>%lf</a:t>
-            </a:r>
-            <a:r>
-              <a:rPr lang="en-US" dirty="0">
-                <a:latin typeface="Courier New"/>
-                <a:ea typeface="+mn-ea"/>
-              </a:rPr>
-              <a:t>,\ng = </a:t>
-            </a:r>
-            <a:r>
-              <a:rPr lang="en-US" dirty="0" smtClean="0">
-                <a:latin typeface="Courier New"/>
-                <a:ea typeface="+mn-ea"/>
-              </a:rPr>
-              <a:t>%.2lf\n", </a:t>
+              <a:t>("f = %lf,\ng = %.2lf\n", </a:t>
             </a:r>
           </a:p>
           <a:p>
@@ -23449,21 +22984,7 @@
                 <a:latin typeface="Courier New"/>
                 <a:ea typeface="+mn-ea"/>
               </a:rPr>
-              <a:t>	</a:t>
-            </a:r>
-            <a:r>
-              <a:rPr lang="en-US" dirty="0" smtClean="0">
-                <a:latin typeface="Courier New"/>
-                <a:ea typeface="+mn-ea"/>
-              </a:rPr>
-              <a:t>		 f</a:t>
-            </a:r>
-            <a:r>
-              <a:rPr lang="en-US" dirty="0">
-                <a:latin typeface="Courier New"/>
-                <a:ea typeface="+mn-ea"/>
-              </a:rPr>
-              <a:t>, g);</a:t>
+              <a:t>			 f, g);</a:t>
             </a:r>
             <a:endParaRPr lang="pt-BR" dirty="0">
               <a:latin typeface="Courier New"/>
@@ -23490,7 +23011,7 @@
               <a:buNone/>
               <a:defRPr/>
             </a:pPr>
-            <a:endParaRPr lang="en-US" dirty="0" smtClean="0">
+            <a:endParaRPr lang="en-US" dirty="0">
               <a:latin typeface="Courier New"/>
               <a:ea typeface="+mn-ea"/>
             </a:endParaRPr>
@@ -23502,7 +23023,7 @@
               <a:defRPr/>
             </a:pPr>
             <a:r>
-              <a:rPr lang="en-US" b="1" u="sng" dirty="0" smtClean="0">
+              <a:rPr lang="en-US" b="1" u="sng" dirty="0">
                 <a:solidFill>
                   <a:srgbClr val="FF0000"/>
                 </a:solidFill>
@@ -23512,7 +23033,7 @@
               <a:t>Output:</a:t>
             </a:r>
             <a:r>
-              <a:rPr lang="en-US" b="1" dirty="0" smtClean="0">
+              <a:rPr lang="en-US" b="1" dirty="0">
                 <a:solidFill>
                   <a:srgbClr val="FF0000"/>
                 </a:solidFill>
@@ -23536,17 +23057,7 @@
                 <a:latin typeface="Courier New"/>
                 <a:ea typeface="+mn-ea"/>
               </a:rPr>
-              <a:t>	</a:t>
-            </a:r>
-            <a:r>
-              <a:rPr lang="en-US" b="1" dirty="0" smtClean="0">
-                <a:solidFill>
-                  <a:srgbClr val="FF0000"/>
-                </a:solidFill>
-                <a:latin typeface="Courier New"/>
-                <a:ea typeface="+mn-ea"/>
-              </a:rPr>
-              <a:t>		g = 5.00</a:t>
+              <a:t>			g = 5.00</a:t>
             </a:r>
           </a:p>
           <a:p>
@@ -23556,7 +23067,7 @@
               <a:defRPr/>
             </a:pPr>
             <a:r>
-              <a:rPr lang="en-US" dirty="0" smtClean="0">
+              <a:rPr lang="en-US" dirty="0">
                 <a:solidFill>
                   <a:srgbClr val="FF0000"/>
                 </a:solidFill>
@@ -23564,12 +23075,6 @@
               </a:rPr>
               <a:t>(remember, 6 places after decimal point printed by default with floating-point data)</a:t>
             </a:r>
-            <a:endParaRPr lang="en-US" dirty="0">
-              <a:solidFill>
-                <a:srgbClr val="FF0000"/>
-              </a:solidFill>
-              <a:ea typeface="+mn-ea"/>
-            </a:endParaRPr>
           </a:p>
         </p:txBody>
       </p:sp>
@@ -23708,7 +23213,7 @@
               <a:rPr lang="en-US" smtClean="0">
                 <a:latin typeface="Garamond" charset="0"/>
               </a:rPr>
-              <a:t>2/2/19</a:t>
+              <a:t>2/4/2019</a:t>
             </a:fld>
             <a:endParaRPr lang="en-US">
               <a:latin typeface="Garamond" charset="0"/>
@@ -23735,10 +23240,9 @@
               <a:defRPr/>
             </a:pPr>
             <a:r>
-              <a:rPr lang="en-US" altLang="en-US" smtClean="0"/>
+              <a:rPr lang="en-US" altLang="en-US"/>
               <a:t>ECE Application Programming: Lecture 5</a:t>
             </a:r>
-            <a:endParaRPr lang="en-US" altLang="en-US"/>
           </a:p>
         </p:txBody>
       </p:sp>
@@ -23896,13 +23400,6 @@
   <p:clrMapOvr>
     <a:masterClrMapping/>
   </p:clrMapOvr>
-  <p:timing>
-    <p:tnLst>
-      <p:par>
-        <p:cTn id="1" dur="indefinite" restart="never" nodeType="tmRoot"/>
-      </p:par>
-    </p:tnLst>
-  </p:timing>
 </p:sld>
 </file>
 
